--- a/ROBOTINHO.pptx
+++ b/ROBOTINHO.pptx
@@ -1,6 +1,6 @@
 
 <file path=ppt/presentation.xml><?xml version="1.0" encoding="utf-8"?>
-<p:presentation xmlns:a="http://schemas.openxmlformats.org/drawingml/2006/main" xmlns:r="http://schemas.openxmlformats.org/officeDocument/2006/relationships" xmlns:p="http://schemas.openxmlformats.org/presentationml/2006/main" saveSubsetFonts="1">
+<p:presentation xmlns:a="http://schemas.openxmlformats.org/drawingml/2006/main" xmlns:r="http://schemas.openxmlformats.org/officeDocument/2006/relationships" xmlns:p="http://schemas.openxmlformats.org/presentationml/2006/main" showSpecialPlsOnTitleSld="0" saveSubsetFonts="1">
   <p:sldMasterIdLst>
     <p:sldMasterId id="2147483660" r:id="rId1"/>
   </p:sldMasterIdLst>
@@ -166,7 +166,7 @@
             </a:lvl1pPr>
           </a:lstStyle>
           <a:p>
-            <a:endParaRPr lang="en-US"/>
+            <a:endParaRPr lang="en-US" dirty="0"/>
           </a:p>
         </p:txBody>
       </p:sp>
@@ -201,7 +201,7 @@
               <a:rPr lang="en-US" smtClean="0"/>
               <a:t>5/19/2019</a:t>
             </a:fld>
-            <a:endParaRPr lang="en-US"/>
+            <a:endParaRPr lang="en-US" dirty="0"/>
           </a:p>
         </p:txBody>
       </p:sp>
@@ -234,7 +234,7 @@
           <a:bodyPr vert="horz" lIns="91440" tIns="45720" rIns="91440" bIns="45720" rtlCol="0" anchor="ctr"/>
           <a:lstStyle/>
           <a:p>
-            <a:endParaRPr lang="en-US"/>
+            <a:endParaRPr lang="en-US" dirty="0"/>
           </a:p>
         </p:txBody>
       </p:sp>
@@ -325,7 +325,7 @@
             </a:lvl1pPr>
           </a:lstStyle>
           <a:p>
-            <a:endParaRPr lang="en-US"/>
+            <a:endParaRPr lang="en-US" dirty="0"/>
           </a:p>
         </p:txBody>
       </p:sp>
@@ -360,7 +360,7 @@
               <a:rPr lang="en-US" smtClean="0"/>
               <a:t>‹#›</a:t>
             </a:fld>
-            <a:endParaRPr lang="en-US"/>
+            <a:endParaRPr lang="en-US" dirty="0"/>
           </a:p>
         </p:txBody>
       </p:sp>
@@ -511,7 +511,7 @@
           <a:bodyPr/>
           <a:lstStyle/>
           <a:p>
-            <a:endParaRPr lang="en-US"/>
+            <a:endParaRPr lang="en-US" dirty="0"/>
           </a:p>
         </p:txBody>
       </p:sp>
@@ -534,7 +534,7 @@
               <a:rPr lang="en-US" smtClean="0"/>
               <a:t>1</a:t>
             </a:fld>
-            <a:endParaRPr lang="en-US"/>
+            <a:endParaRPr lang="en-US" dirty="0"/>
           </a:p>
         </p:txBody>
       </p:sp>
@@ -595,7 +595,7 @@
           <a:bodyPr/>
           <a:lstStyle/>
           <a:p>
-            <a:endParaRPr lang="en-US"/>
+            <a:endParaRPr lang="en-US" dirty="0"/>
           </a:p>
         </p:txBody>
       </p:sp>
@@ -618,7 +618,7 @@
               <a:rPr lang="en-US" smtClean="0"/>
               <a:t>2</a:t>
             </a:fld>
-            <a:endParaRPr lang="en-US"/>
+            <a:endParaRPr lang="en-US" dirty="0"/>
           </a:p>
         </p:txBody>
       </p:sp>
@@ -750,7 +750,7 @@
           <a:bodyPr vert="horz" wrap="square" lIns="91440" tIns="45720" rIns="91440" bIns="45720" anchor="t" compatLnSpc="1"/>
           <a:lstStyle/>
           <a:p>
-            <a:endParaRPr kumimoji="0" lang="en-US"/>
+            <a:endParaRPr kumimoji="0" lang="en-US" dirty="0"/>
           </a:p>
         </p:txBody>
       </p:sp>
@@ -849,7 +849,7 @@
           <a:bodyPr vert="horz" wrap="square" lIns="91440" tIns="45720" rIns="91440" bIns="45720" anchor="t" compatLnSpc="1"/>
           <a:lstStyle/>
           <a:p>
-            <a:endParaRPr kumimoji="0" lang="en-US"/>
+            <a:endParaRPr kumimoji="0" lang="en-US" dirty="0"/>
           </a:p>
         </p:txBody>
       </p:sp>
@@ -1017,11 +1017,11 @@
           <a:bodyPr/>
           <a:lstStyle/>
           <a:p>
-            <a:fld id="{39921EA2-7CC3-4572-98CD-F73BB2F88355}" type="datetime1">
+            <a:fld id="{90B7D2B6-166E-40F8-9D76-749746228F93}" type="datetime1">
               <a:rPr lang="en-US" smtClean="0"/>
               <a:t>5/19/2019</a:t>
             </a:fld>
-            <a:endParaRPr lang="en-US"/>
+            <a:endParaRPr lang="en-US" dirty="0"/>
           </a:p>
         </p:txBody>
       </p:sp>
@@ -1040,7 +1040,7 @@
           <a:bodyPr/>
           <a:lstStyle/>
           <a:p>
-            <a:endParaRPr lang="en-US"/>
+            <a:endParaRPr lang="en-US" dirty="0"/>
           </a:p>
         </p:txBody>
       </p:sp>
@@ -1063,7 +1063,7 @@
               <a:rPr lang="en-US" smtClean="0"/>
               <a:t>‹#›</a:t>
             </a:fld>
-            <a:endParaRPr lang="en-US"/>
+            <a:endParaRPr lang="en-US" dirty="0"/>
           </a:p>
         </p:txBody>
       </p:sp>
@@ -1182,11 +1182,11 @@
           <a:bodyPr/>
           <a:lstStyle/>
           <a:p>
-            <a:fld id="{5BAADA1B-9217-4D38-9DDC-BB48E2FD46DE}" type="datetime1">
+            <a:fld id="{5E77432B-941A-4FDB-B2E4-6D384526D1B6}" type="datetime1">
               <a:rPr lang="en-US" smtClean="0"/>
               <a:t>5/19/2019</a:t>
             </a:fld>
-            <a:endParaRPr lang="en-US"/>
+            <a:endParaRPr lang="en-US" dirty="0"/>
           </a:p>
         </p:txBody>
       </p:sp>
@@ -1205,7 +1205,7 @@
           <a:bodyPr/>
           <a:lstStyle/>
           <a:p>
-            <a:endParaRPr lang="en-US"/>
+            <a:endParaRPr lang="en-US" dirty="0"/>
           </a:p>
         </p:txBody>
       </p:sp>
@@ -1228,7 +1228,7 @@
               <a:rPr lang="en-US" smtClean="0"/>
               <a:t>‹#›</a:t>
             </a:fld>
-            <a:endParaRPr lang="en-US"/>
+            <a:endParaRPr lang="en-US" dirty="0"/>
           </a:p>
         </p:txBody>
       </p:sp>
@@ -1357,11 +1357,11 @@
           <a:bodyPr/>
           <a:lstStyle/>
           <a:p>
-            <a:fld id="{73CB44F1-CA59-426E-A458-CC83E041766F}" type="datetime1">
+            <a:fld id="{73E66D89-C1D7-4BAB-8D4A-CFBFE24EB60F}" type="datetime1">
               <a:rPr lang="en-US" smtClean="0"/>
               <a:t>5/19/2019</a:t>
             </a:fld>
-            <a:endParaRPr lang="en-US"/>
+            <a:endParaRPr lang="en-US" dirty="0"/>
           </a:p>
         </p:txBody>
       </p:sp>
@@ -1380,7 +1380,7 @@
           <a:bodyPr/>
           <a:lstStyle/>
           <a:p>
-            <a:endParaRPr lang="en-US"/>
+            <a:endParaRPr lang="en-US" dirty="0"/>
           </a:p>
         </p:txBody>
       </p:sp>
@@ -1403,7 +1403,7 @@
               <a:rPr lang="en-US" smtClean="0"/>
               <a:t>‹#›</a:t>
             </a:fld>
-            <a:endParaRPr lang="en-US"/>
+            <a:endParaRPr lang="en-US" dirty="0"/>
           </a:p>
         </p:txBody>
       </p:sp>
@@ -1526,11 +1526,11 @@
           <a:bodyPr/>
           <a:lstStyle/>
           <a:p>
-            <a:fld id="{319B8B0B-E049-4F3E-9A10-45507A744326}" type="datetime1">
+            <a:fld id="{C9C79E85-1D2F-477B-BBE8-4A7F97670373}" type="datetime1">
               <a:rPr lang="en-US" smtClean="0"/>
               <a:t>5/19/2019</a:t>
             </a:fld>
-            <a:endParaRPr lang="en-US"/>
+            <a:endParaRPr lang="en-US" dirty="0"/>
           </a:p>
         </p:txBody>
       </p:sp>
@@ -1549,7 +1549,7 @@
           <a:bodyPr/>
           <a:lstStyle/>
           <a:p>
-            <a:endParaRPr lang="en-US"/>
+            <a:endParaRPr lang="en-US" dirty="0"/>
           </a:p>
         </p:txBody>
       </p:sp>
@@ -1572,7 +1572,7 @@
               <a:rPr lang="en-US" smtClean="0"/>
               <a:t>‹#›</a:t>
             </a:fld>
-            <a:endParaRPr lang="en-US"/>
+            <a:endParaRPr lang="en-US" dirty="0"/>
           </a:p>
         </p:txBody>
       </p:sp>
@@ -1699,7 +1699,7 @@
           <a:bodyPr vert="horz" wrap="square" lIns="91440" tIns="45720" rIns="91440" bIns="45720" anchor="t" compatLnSpc="1"/>
           <a:lstStyle/>
           <a:p>
-            <a:endParaRPr kumimoji="0" lang="en-US"/>
+            <a:endParaRPr kumimoji="0" lang="en-US" dirty="0"/>
           </a:p>
         </p:txBody>
       </p:sp>
@@ -1798,7 +1798,7 @@
           <a:bodyPr vert="horz" wrap="square" lIns="91440" tIns="45720" rIns="91440" bIns="45720" anchor="t" compatLnSpc="1"/>
           <a:lstStyle/>
           <a:p>
-            <a:endParaRPr kumimoji="0" lang="en-US"/>
+            <a:endParaRPr kumimoji="0" lang="en-US" dirty="0"/>
           </a:p>
         </p:txBody>
       </p:sp>
@@ -1981,11 +1981,11 @@
           <a:bodyPr/>
           <a:lstStyle/>
           <a:p>
-            <a:fld id="{DC1615FD-AB84-415D-AFF0-0BFD332F536E}" type="datetime1">
+            <a:fld id="{A94E0D0E-3436-4F4C-8608-CE77D12FB72B}" type="datetime1">
               <a:rPr lang="en-US" smtClean="0"/>
               <a:t>5/19/2019</a:t>
             </a:fld>
-            <a:endParaRPr lang="en-US"/>
+            <a:endParaRPr lang="en-US" dirty="0"/>
           </a:p>
         </p:txBody>
       </p:sp>
@@ -2004,7 +2004,7 @@
           <a:bodyPr/>
           <a:lstStyle/>
           <a:p>
-            <a:endParaRPr lang="en-US"/>
+            <a:endParaRPr lang="en-US" dirty="0"/>
           </a:p>
         </p:txBody>
       </p:sp>
@@ -2027,7 +2027,7 @@
               <a:rPr lang="en-US" smtClean="0"/>
               <a:t>‹#›</a:t>
             </a:fld>
-            <a:endParaRPr lang="en-US"/>
+            <a:endParaRPr lang="en-US" dirty="0"/>
           </a:p>
         </p:txBody>
       </p:sp>
@@ -2245,11 +2245,11 @@
           <a:bodyPr/>
           <a:lstStyle/>
           <a:p>
-            <a:fld id="{55CD43C6-728A-4DFD-B25D-4842E8B9FB32}" type="datetime1">
+            <a:fld id="{39510CC2-2627-4392-AE48-F60BF60FDE8D}" type="datetime1">
               <a:rPr lang="en-US" smtClean="0"/>
               <a:t>5/19/2019</a:t>
             </a:fld>
-            <a:endParaRPr lang="en-US"/>
+            <a:endParaRPr lang="en-US" dirty="0"/>
           </a:p>
         </p:txBody>
       </p:sp>
@@ -2268,7 +2268,7 @@
           <a:bodyPr/>
           <a:lstStyle/>
           <a:p>
-            <a:endParaRPr lang="en-US"/>
+            <a:endParaRPr lang="en-US" dirty="0"/>
           </a:p>
         </p:txBody>
       </p:sp>
@@ -2291,7 +2291,7 @@
               <a:rPr lang="en-US" smtClean="0"/>
               <a:t>‹#›</a:t>
             </a:fld>
-            <a:endParaRPr lang="en-US"/>
+            <a:endParaRPr lang="en-US" dirty="0"/>
           </a:p>
         </p:txBody>
       </p:sp>
@@ -2619,11 +2619,11 @@
           <a:bodyPr/>
           <a:lstStyle/>
           <a:p>
-            <a:fld id="{50083177-1FFC-44A4-9F4D-8158BBDB4F9B}" type="datetime1">
+            <a:fld id="{DCE04ADE-3BBA-4424-9D2F-1B1F2BA859F2}" type="datetime1">
               <a:rPr lang="en-US" smtClean="0"/>
               <a:t>5/19/2019</a:t>
             </a:fld>
-            <a:endParaRPr lang="en-US"/>
+            <a:endParaRPr lang="en-US" dirty="0"/>
           </a:p>
         </p:txBody>
       </p:sp>
@@ -2642,7 +2642,7 @@
           <a:bodyPr/>
           <a:lstStyle/>
           <a:p>
-            <a:endParaRPr lang="en-US"/>
+            <a:endParaRPr lang="en-US" dirty="0"/>
           </a:p>
         </p:txBody>
       </p:sp>
@@ -2665,7 +2665,7 @@
               <a:rPr lang="en-US" smtClean="0"/>
               <a:t>‹#›</a:t>
             </a:fld>
-            <a:endParaRPr lang="en-US"/>
+            <a:endParaRPr lang="en-US" dirty="0"/>
           </a:p>
         </p:txBody>
       </p:sp>
@@ -2741,11 +2741,11 @@
           <a:bodyPr/>
           <a:lstStyle/>
           <a:p>
-            <a:fld id="{D21530F4-59AE-45BF-A295-FBFC3C84EE31}" type="datetime1">
+            <a:fld id="{9CA964A8-C6B3-4D50-BBFD-58D43C7F3544}" type="datetime1">
               <a:rPr lang="en-US" smtClean="0"/>
               <a:t>5/19/2019</a:t>
             </a:fld>
-            <a:endParaRPr lang="en-US"/>
+            <a:endParaRPr lang="en-US" dirty="0"/>
           </a:p>
         </p:txBody>
       </p:sp>
@@ -2768,7 +2768,7 @@
               <a:rPr lang="en-US" smtClean="0"/>
               <a:t>‹#›</a:t>
             </a:fld>
-            <a:endParaRPr lang="en-US"/>
+            <a:endParaRPr lang="en-US" dirty="0"/>
           </a:p>
         </p:txBody>
       </p:sp>
@@ -2787,7 +2787,7 @@
           <a:bodyPr/>
           <a:lstStyle/>
           <a:p>
-            <a:endParaRPr lang="en-US"/>
+            <a:endParaRPr lang="en-US" dirty="0"/>
           </a:p>
         </p:txBody>
       </p:sp>
@@ -2831,11 +2831,11 @@
           <a:bodyPr/>
           <a:lstStyle/>
           <a:p>
-            <a:fld id="{0D636739-7CB7-4D82-884E-2683006343EE}" type="datetime1">
+            <a:fld id="{DC1C8741-8383-4B49-BB53-43BE1918DA32}" type="datetime1">
               <a:rPr lang="en-US" smtClean="0"/>
               <a:t>5/19/2019</a:t>
             </a:fld>
-            <a:endParaRPr lang="en-US"/>
+            <a:endParaRPr lang="en-US" dirty="0"/>
           </a:p>
         </p:txBody>
       </p:sp>
@@ -2854,7 +2854,7 @@
           <a:bodyPr/>
           <a:lstStyle/>
           <a:p>
-            <a:endParaRPr lang="en-US"/>
+            <a:endParaRPr lang="en-US" dirty="0"/>
           </a:p>
         </p:txBody>
       </p:sp>
@@ -2877,7 +2877,7 @@
               <a:rPr lang="en-US" smtClean="0"/>
               <a:t>‹#›</a:t>
             </a:fld>
-            <a:endParaRPr lang="en-US"/>
+            <a:endParaRPr lang="en-US" dirty="0"/>
           </a:p>
         </p:txBody>
       </p:sp>
@@ -3080,11 +3080,11 @@
           <a:bodyPr/>
           <a:lstStyle/>
           <a:p>
-            <a:fld id="{9966EA33-4B35-4BC4-80F2-C0FC94F893E5}" type="datetime1">
+            <a:fld id="{6C318A7A-4453-4BD5-8AB7-45AA3E9C5FE0}" type="datetime1">
               <a:rPr lang="en-US" smtClean="0"/>
               <a:t>5/19/2019</a:t>
             </a:fld>
-            <a:endParaRPr lang="en-US"/>
+            <a:endParaRPr lang="en-US" dirty="0"/>
           </a:p>
         </p:txBody>
       </p:sp>
@@ -3103,7 +3103,7 @@
           <a:bodyPr/>
           <a:lstStyle/>
           <a:p>
-            <a:endParaRPr lang="en-US"/>
+            <a:endParaRPr lang="en-US" dirty="0"/>
           </a:p>
         </p:txBody>
       </p:sp>
@@ -3131,7 +3131,7 @@
               <a:rPr lang="en-US" smtClean="0"/>
               <a:t>‹#›</a:t>
             </a:fld>
-            <a:endParaRPr lang="en-US"/>
+            <a:endParaRPr lang="en-US" dirty="0"/>
           </a:p>
         </p:txBody>
       </p:sp>
@@ -3258,7 +3258,7 @@
           </a:lstStyle>
           <a:p>
             <a:r>
-              <a:rPr kumimoji="0" lang="en-US" smtClean="0"/>
+              <a:rPr kumimoji="0" lang="en-US" dirty="0" smtClean="0"/>
               <a:t>Click icon to add picture</a:t>
             </a:r>
             <a:endParaRPr kumimoji="0" lang="en-US" dirty="0"/>
@@ -3339,11 +3339,11 @@
           <a:bodyPr/>
           <a:lstStyle/>
           <a:p>
-            <a:fld id="{5CDD0709-C2ED-48A5-9ADA-DA9B9981F287}" type="datetime1">
+            <a:fld id="{DE329CA9-2797-429D-A799-93AB3F83623F}" type="datetime1">
               <a:rPr lang="en-US" smtClean="0"/>
               <a:t>5/19/2019</a:t>
             </a:fld>
-            <a:endParaRPr lang="en-US"/>
+            <a:endParaRPr lang="en-US" dirty="0"/>
           </a:p>
         </p:txBody>
       </p:sp>
@@ -3362,7 +3362,7 @@
           <a:bodyPr/>
           <a:lstStyle/>
           <a:p>
-            <a:endParaRPr lang="en-US"/>
+            <a:endParaRPr lang="en-US" dirty="0"/>
           </a:p>
         </p:txBody>
       </p:sp>
@@ -3385,7 +3385,7 @@
               <a:rPr lang="en-US" smtClean="0"/>
               <a:t>‹#›</a:t>
             </a:fld>
-            <a:endParaRPr lang="en-US"/>
+            <a:endParaRPr lang="en-US" dirty="0"/>
           </a:p>
         </p:txBody>
       </p:sp>
@@ -3512,7 +3512,7 @@
           <a:bodyPr vert="horz" wrap="square" lIns="91440" tIns="45720" rIns="91440" bIns="45720" anchor="t" compatLnSpc="1"/>
           <a:lstStyle/>
           <a:p>
-            <a:endParaRPr kumimoji="0" lang="en-US"/>
+            <a:endParaRPr kumimoji="0" lang="en-US" dirty="0"/>
           </a:p>
         </p:txBody>
       </p:sp>
@@ -3611,7 +3611,7 @@
           <a:bodyPr vert="horz" wrap="square" lIns="91440" tIns="45720" rIns="91440" bIns="45720" anchor="t" compatLnSpc="1"/>
           <a:lstStyle/>
           <a:p>
-            <a:endParaRPr kumimoji="0" lang="en-US"/>
+            <a:endParaRPr kumimoji="0" lang="en-US" dirty="0"/>
           </a:p>
         </p:txBody>
       </p:sp>
@@ -3743,11 +3743,11 @@
             </a:lvl1pPr>
           </a:lstStyle>
           <a:p>
-            <a:fld id="{A023E34F-B9C0-4B22-B442-B656C9A6984B}" type="datetime1">
+            <a:fld id="{56EE5F79-99D7-48D8-9BE2-8F8AFE0E3260}" type="datetime1">
               <a:rPr lang="en-US" smtClean="0"/>
               <a:t>5/19/2019</a:t>
             </a:fld>
-            <a:endParaRPr lang="en-US"/>
+            <a:endParaRPr lang="en-US" dirty="0"/>
           </a:p>
         </p:txBody>
       </p:sp>
@@ -3784,7 +3784,7 @@
             </a:lvl1pPr>
           </a:lstStyle>
           <a:p>
-            <a:endParaRPr lang="en-US"/>
+            <a:endParaRPr lang="en-US" dirty="0"/>
           </a:p>
         </p:txBody>
       </p:sp>
@@ -3825,7 +3825,7 @@
               <a:rPr lang="en-US" smtClean="0"/>
               <a:t>‹#›</a:t>
             </a:fld>
-            <a:endParaRPr lang="en-US"/>
+            <a:endParaRPr lang="en-US" dirty="0"/>
           </a:p>
         </p:txBody>
       </p:sp>
@@ -4242,29 +4242,6 @@
       </p:sp>
       <p:sp>
         <p:nvSpPr>
-          <p:cNvPr id="4" name="Slide Number Placeholder 3"/>
-          <p:cNvSpPr>
-            <a:spLocks noGrp="1"/>
-          </p:cNvSpPr>
-          <p:nvPr>
-            <p:ph type="sldNum" sz="quarter" idx="12"/>
-          </p:nvPr>
-        </p:nvSpPr>
-        <p:spPr/>
-        <p:txBody>
-          <a:bodyPr/>
-          <a:lstStyle/>
-          <a:p>
-            <a:fld id="{29574101-FBCA-4CCC-8F71-4FACD19D0373}" type="slidenum">
-              <a:rPr lang="en-US" smtClean="0"/>
-              <a:t>1</a:t>
-            </a:fld>
-            <a:endParaRPr lang="en-US"/>
-          </a:p>
-        </p:txBody>
-      </p:sp>
-      <p:sp>
-        <p:nvSpPr>
           <p:cNvPr id="5" name="TextBox 4"/>
           <p:cNvSpPr txBox="1"/>
           <p:nvPr/>
@@ -4390,6 +4367,26 @@
           <a:bodyPr/>
           <a:lstStyle/>
           <a:p>
+            <a:r>
+              <a:rPr lang="en-US" dirty="0" smtClean="0"/>
+              <a:t>Implementarea unui algoritm de c</a:t>
+            </a:r>
+            <a:r>
+              <a:rPr lang="ro-RO" dirty="0" smtClean="0"/>
+              <a:t>ăutare a unei mingi și de șutare a acesteia</a:t>
+            </a:r>
+          </a:p>
+          <a:p>
+            <a:endParaRPr lang="ro-RO" dirty="0"/>
+          </a:p>
+          <a:p>
+            <a:endParaRPr lang="ro-RO" dirty="0" smtClean="0"/>
+          </a:p>
+          <a:p>
+            <a:r>
+              <a:rPr lang="ro-RO" dirty="0" smtClean="0"/>
+              <a:t>Posibilitatea de control manual prin intermediul unei aplicații mobile</a:t>
+            </a:r>
             <a:endParaRPr lang="en-US" dirty="0"/>
           </a:p>
         </p:txBody>
@@ -4404,7 +4401,12 @@
             <p:ph type="sldNum" sz="quarter" idx="12"/>
           </p:nvPr>
         </p:nvSpPr>
-        <p:spPr/>
+        <p:spPr>
+          <a:xfrm>
+            <a:off x="8130480" y="6422064"/>
+            <a:ext cx="762000" cy="365125"/>
+          </a:xfrm>
+        </p:spPr>
         <p:txBody>
           <a:bodyPr/>
           <a:lstStyle/>
@@ -4413,7 +4415,7 @@
               <a:rPr lang="en-US" smtClean="0"/>
               <a:t>2</a:t>
             </a:fld>
-            <a:endParaRPr lang="en-US"/>
+            <a:endParaRPr lang="en-US" dirty="0"/>
           </a:p>
         </p:txBody>
       </p:sp>
@@ -4466,7 +4468,7 @@
         </p:nvSpPr>
         <p:spPr>
           <a:xfrm>
-            <a:off x="457200" y="274638"/>
+            <a:off x="457200" y="116632"/>
             <a:ext cx="8686800" cy="1143000"/>
           </a:xfrm>
         </p:spPr>
@@ -4491,25 +4493,6 @@
       </p:sp>
       <p:sp>
         <p:nvSpPr>
-          <p:cNvPr id="3" name="Content Placeholder 2"/>
-          <p:cNvSpPr>
-            <a:spLocks noGrp="1"/>
-          </p:cNvSpPr>
-          <p:nvPr>
-            <p:ph idx="1"/>
-          </p:nvPr>
-        </p:nvSpPr>
-        <p:spPr/>
-        <p:txBody>
-          <a:bodyPr/>
-          <a:lstStyle/>
-          <a:p>
-            <a:endParaRPr lang="en-US"/>
-          </a:p>
-        </p:txBody>
-      </p:sp>
-      <p:sp>
-        <p:nvSpPr>
           <p:cNvPr id="4" name="Slide Number Placeholder 3"/>
           <p:cNvSpPr>
             <a:spLocks noGrp="1"/>
@@ -4527,10 +4510,39 @@
               <a:rPr lang="en-US" smtClean="0"/>
               <a:t>3</a:t>
             </a:fld>
-            <a:endParaRPr lang="en-US"/>
-          </a:p>
-        </p:txBody>
-      </p:sp>
+            <a:endParaRPr lang="en-US" dirty="0"/>
+          </a:p>
+        </p:txBody>
+      </p:sp>
+      <p:pic>
+        <p:nvPicPr>
+          <p:cNvPr id="7" name="Content Placeholder 6"/>
+          <p:cNvPicPr>
+            <a:picLocks noGrp="1" noChangeAspect="1"/>
+          </p:cNvPicPr>
+          <p:nvPr>
+            <p:ph idx="1"/>
+          </p:nvPr>
+        </p:nvPicPr>
+        <p:blipFill>
+          <a:blip r:embed="rId2">
+            <a:extLst>
+              <a:ext uri="{28A0092B-C50C-407E-A947-70E740481C1C}">
+                <a14:useLocalDpi xmlns:a14="http://schemas.microsoft.com/office/drawing/2010/main" val="0"/>
+              </a:ext>
+            </a:extLst>
+          </a:blip>
+          <a:stretch>
+            <a:fillRect/>
+          </a:stretch>
+        </p:blipFill>
+        <p:spPr>
+          <a:xfrm>
+            <a:off x="2051720" y="1052736"/>
+            <a:ext cx="5091097" cy="5440084"/>
+          </a:xfrm>
+        </p:spPr>
+      </p:pic>
     </p:spTree>
     <p:extLst>
       <p:ext uri="{BB962C8B-B14F-4D97-AF65-F5344CB8AC3E}">
@@ -4618,7 +4630,45 @@
           <a:bodyPr/>
           <a:lstStyle/>
           <a:p>
-            <a:endParaRPr lang="en-US"/>
+            <a:r>
+              <a:rPr lang="en-US" dirty="0" smtClean="0"/>
+              <a:t>C</a:t>
+            </a:r>
+            <a:r>
+              <a:rPr lang="ro-RO" dirty="0" smtClean="0"/>
+              <a:t>ăutare automată a obiectului dorit</a:t>
+            </a:r>
+          </a:p>
+          <a:p>
+            <a:pPr lvl="1"/>
+            <a:r>
+              <a:rPr lang="ro-RO" dirty="0" smtClean="0"/>
+              <a:t>Deplasarea în orice direcție</a:t>
+            </a:r>
+          </a:p>
+          <a:p>
+            <a:pPr lvl="1"/>
+            <a:r>
+              <a:rPr lang="ro-RO" dirty="0" smtClean="0"/>
+              <a:t>Lovirea obiectului cu ambele picioare</a:t>
+            </a:r>
+          </a:p>
+          <a:p>
+            <a:pPr lvl="1"/>
+            <a:endParaRPr lang="ro-RO" dirty="0" smtClean="0"/>
+          </a:p>
+          <a:p>
+            <a:r>
+              <a:rPr lang="ro-RO" dirty="0" smtClean="0"/>
+              <a:t>Comandă manuală cu ajutorul unei interfețe</a:t>
+            </a:r>
+          </a:p>
+          <a:p>
+            <a:pPr lvl="1"/>
+            <a:r>
+              <a:rPr lang="ro-RO" dirty="0" smtClean="0"/>
+              <a:t>Toate funcțiile executate de căutarea automată</a:t>
+            </a:r>
           </a:p>
         </p:txBody>
       </p:sp>
@@ -4641,7 +4691,7 @@
               <a:rPr lang="en-US" smtClean="0"/>
               <a:t>4</a:t>
             </a:fld>
-            <a:endParaRPr lang="en-US"/>
+            <a:endParaRPr lang="en-US" dirty="0"/>
           </a:p>
         </p:txBody>
       </p:sp>
@@ -4721,7 +4771,7 @@
           <a:bodyPr/>
           <a:lstStyle/>
           <a:p>
-            <a:endParaRPr lang="en-US"/>
+            <a:endParaRPr lang="en-US" dirty="0"/>
           </a:p>
         </p:txBody>
       </p:sp>
@@ -4744,7 +4794,7 @@
               <a:rPr lang="en-US" smtClean="0"/>
               <a:t>5</a:t>
             </a:fld>
-            <a:endParaRPr lang="en-US"/>
+            <a:endParaRPr lang="en-US" dirty="0"/>
           </a:p>
         </p:txBody>
       </p:sp>
@@ -4824,7 +4874,7 @@
           <a:bodyPr/>
           <a:lstStyle/>
           <a:p>
-            <a:endParaRPr lang="en-US"/>
+            <a:endParaRPr lang="en-US" dirty="0"/>
           </a:p>
         </p:txBody>
       </p:sp>
@@ -4847,7 +4897,7 @@
               <a:rPr lang="en-US" smtClean="0"/>
               <a:t>6</a:t>
             </a:fld>
-            <a:endParaRPr lang="en-US"/>
+            <a:endParaRPr lang="en-US" dirty="0"/>
           </a:p>
         </p:txBody>
       </p:sp>
@@ -4936,7 +4986,7 @@
           <a:bodyPr/>
           <a:lstStyle/>
           <a:p>
-            <a:endParaRPr lang="en-US"/>
+            <a:endParaRPr lang="en-US" dirty="0"/>
           </a:p>
         </p:txBody>
       </p:sp>
@@ -4959,7 +5009,7 @@
               <a:rPr lang="en-US" smtClean="0"/>
               <a:t>7</a:t>
             </a:fld>
-            <a:endParaRPr lang="en-US"/>
+            <a:endParaRPr lang="en-US" dirty="0"/>
           </a:p>
         </p:txBody>
       </p:sp>
@@ -5076,7 +5126,7 @@
               <a:rPr lang="en-US" smtClean="0"/>
               <a:t>8</a:t>
             </a:fld>
-            <a:endParaRPr lang="en-US"/>
+            <a:endParaRPr lang="en-US" dirty="0"/>
           </a:p>
         </p:txBody>
       </p:sp>

--- a/ROBOTINHO.pptx
+++ b/ROBOTINHO.pptx
@@ -5,17 +5,20 @@
     <p:sldMasterId id="2147483660" r:id="rId1"/>
   </p:sldMasterIdLst>
   <p:notesMasterIdLst>
-    <p:notesMasterId r:id="rId10"/>
+    <p:notesMasterId r:id="rId13"/>
   </p:notesMasterIdLst>
   <p:sldIdLst>
     <p:sldId id="256" r:id="rId2"/>
     <p:sldId id="257" r:id="rId3"/>
     <p:sldId id="258" r:id="rId4"/>
     <p:sldId id="259" r:id="rId5"/>
-    <p:sldId id="261" r:id="rId6"/>
-    <p:sldId id="262" r:id="rId7"/>
-    <p:sldId id="260" r:id="rId8"/>
-    <p:sldId id="263" r:id="rId9"/>
+    <p:sldId id="265" r:id="rId6"/>
+    <p:sldId id="264" r:id="rId7"/>
+    <p:sldId id="261" r:id="rId8"/>
+    <p:sldId id="262" r:id="rId9"/>
+    <p:sldId id="266" r:id="rId10"/>
+    <p:sldId id="260" r:id="rId11"/>
+    <p:sldId id="263" r:id="rId12"/>
   </p:sldIdLst>
   <p:sldSz cx="9144000" cy="6858000" type="screen4x3"/>
   <p:notesSz cx="6858000" cy="9144000"/>
@@ -114,6 +117,22 @@
       </a:defRPr>
     </a:lvl9pPr>
   </p:defaultTextStyle>
+  <p:extLst>
+    <p:ext uri="{EFAFB233-063F-42B5-8137-9DF3F51BA10A}">
+      <p15:sldGuideLst xmlns:p15="http://schemas.microsoft.com/office/powerpoint/2012/main">
+        <p15:guide id="1" orient="horz" pos="2160">
+          <p15:clr>
+            <a:srgbClr val="A4A3A4"/>
+          </p15:clr>
+        </p15:guide>
+        <p15:guide id="2" pos="2880">
+          <p15:clr>
+            <a:srgbClr val="A4A3A4"/>
+          </p15:clr>
+        </p15:guide>
+      </p15:sldGuideLst>
+    </p:ext>
+  </p:extLst>
 </p:presentation>
 </file>
 
@@ -199,7 +218,7 @@
           <a:p>
             <a:fld id="{3569113D-2AA0-40B3-B8BF-A69C343657F7}" type="datetimeFigureOut">
               <a:rPr lang="en-US" smtClean="0"/>
-              <a:t>5/19/2019</a:t>
+              <a:t>5/20/2019</a:t>
             </a:fld>
             <a:endParaRPr lang="en-US" dirty="0"/>
           </a:p>
@@ -263,38 +282,37 @@
           <a:p>
             <a:pPr lvl="0"/>
             <a:r>
-              <a:rPr lang="en-US" smtClean="0"/>
+              <a:rPr lang="en-US"/>
               <a:t>Click to edit Master text styles</a:t>
             </a:r>
           </a:p>
           <a:p>
             <a:pPr lvl="1"/>
             <a:r>
-              <a:rPr lang="en-US" smtClean="0"/>
+              <a:rPr lang="en-US"/>
               <a:t>Second level</a:t>
             </a:r>
           </a:p>
           <a:p>
             <a:pPr lvl="2"/>
             <a:r>
-              <a:rPr lang="en-US" smtClean="0"/>
+              <a:rPr lang="en-US"/>
               <a:t>Third level</a:t>
             </a:r>
           </a:p>
           <a:p>
             <a:pPr lvl="3"/>
             <a:r>
-              <a:rPr lang="en-US" smtClean="0"/>
+              <a:rPr lang="en-US"/>
               <a:t>Fourth level</a:t>
             </a:r>
           </a:p>
           <a:p>
             <a:pPr lvl="4"/>
             <a:r>
-              <a:rPr lang="en-US" smtClean="0"/>
+              <a:rPr lang="en-US"/>
               <a:t>Fifth level</a:t>
             </a:r>
-            <a:endParaRPr lang="en-US"/>
           </a:p>
         </p:txBody>
       </p:sp>
@@ -931,10 +949,9 @@
           </a:lstStyle>
           <a:p>
             <a:r>
-              <a:rPr kumimoji="0" lang="en-US" smtClean="0"/>
+              <a:rPr kumimoji="0" lang="en-US"/>
               <a:t>Click to edit Master title style</a:t>
             </a:r>
-            <a:endParaRPr kumimoji="0" lang="en-US"/>
           </a:p>
         </p:txBody>
       </p:sp>
@@ -995,10 +1012,9 @@
           </a:lstStyle>
           <a:p>
             <a:r>
-              <a:rPr kumimoji="0" lang="en-US" smtClean="0"/>
+              <a:rPr kumimoji="0" lang="en-US"/>
               <a:t>Click to edit Master subtitle style</a:t>
             </a:r>
-            <a:endParaRPr kumimoji="0" lang="en-US"/>
           </a:p>
         </p:txBody>
       </p:sp>
@@ -1019,7 +1035,7 @@
           <a:p>
             <a:fld id="{90B7D2B6-166E-40F8-9D76-749746228F93}" type="datetime1">
               <a:rPr lang="en-US" smtClean="0"/>
-              <a:t>5/19/2019</a:t>
+              <a:t>5/20/2019</a:t>
             </a:fld>
             <a:endParaRPr lang="en-US" dirty="0"/>
           </a:p>
@@ -1108,10 +1124,9 @@
           <a:lstStyle/>
           <a:p>
             <a:r>
-              <a:rPr kumimoji="0" lang="en-US" smtClean="0"/>
+              <a:rPr kumimoji="0" lang="en-US"/>
               <a:t>Click to edit Master title style</a:t>
             </a:r>
-            <a:endParaRPr kumimoji="0" lang="en-US"/>
           </a:p>
         </p:txBody>
       </p:sp>
@@ -1132,35 +1147,35 @@
           <a:p>
             <a:pPr lvl="0" eaLnBrk="1" latinLnBrk="0" hangingPunct="1"/>
             <a:r>
-              <a:rPr lang="en-US" smtClean="0"/>
+              <a:rPr lang="en-US"/>
               <a:t>Click to edit Master text styles</a:t>
             </a:r>
           </a:p>
           <a:p>
             <a:pPr lvl="1" eaLnBrk="1" latinLnBrk="0" hangingPunct="1"/>
             <a:r>
-              <a:rPr lang="en-US" smtClean="0"/>
+              <a:rPr lang="en-US"/>
               <a:t>Second level</a:t>
             </a:r>
           </a:p>
           <a:p>
             <a:pPr lvl="2" eaLnBrk="1" latinLnBrk="0" hangingPunct="1"/>
             <a:r>
-              <a:rPr lang="en-US" smtClean="0"/>
+              <a:rPr lang="en-US"/>
               <a:t>Third level</a:t>
             </a:r>
           </a:p>
           <a:p>
             <a:pPr lvl="3" eaLnBrk="1" latinLnBrk="0" hangingPunct="1"/>
             <a:r>
-              <a:rPr lang="en-US" smtClean="0"/>
+              <a:rPr lang="en-US"/>
               <a:t>Fourth level</a:t>
             </a:r>
           </a:p>
           <a:p>
             <a:pPr lvl="4" eaLnBrk="1" latinLnBrk="0" hangingPunct="1"/>
             <a:r>
-              <a:rPr lang="en-US" smtClean="0"/>
+              <a:rPr lang="en-US"/>
               <a:t>Fifth level</a:t>
             </a:r>
             <a:endParaRPr kumimoji="0" lang="en-US"/>
@@ -1184,7 +1199,7 @@
           <a:p>
             <a:fld id="{5E77432B-941A-4FDB-B2E4-6D384526D1B6}" type="datetime1">
               <a:rPr lang="en-US" smtClean="0"/>
-              <a:t>5/19/2019</a:t>
+              <a:t>5/20/2019</a:t>
             </a:fld>
             <a:endParaRPr lang="en-US" dirty="0"/>
           </a:p>
@@ -1278,10 +1293,9 @@
           <a:lstStyle/>
           <a:p>
             <a:r>
-              <a:rPr kumimoji="0" lang="en-US" smtClean="0"/>
+              <a:rPr kumimoji="0" lang="en-US"/>
               <a:t>Click to edit Master title style</a:t>
             </a:r>
-            <a:endParaRPr kumimoji="0" lang="en-US"/>
           </a:p>
         </p:txBody>
       </p:sp>
@@ -1307,35 +1321,35 @@
           <a:p>
             <a:pPr lvl="0" eaLnBrk="1" latinLnBrk="0" hangingPunct="1"/>
             <a:r>
-              <a:rPr lang="en-US" smtClean="0"/>
+              <a:rPr lang="en-US"/>
               <a:t>Click to edit Master text styles</a:t>
             </a:r>
           </a:p>
           <a:p>
             <a:pPr lvl="1" eaLnBrk="1" latinLnBrk="0" hangingPunct="1"/>
             <a:r>
-              <a:rPr lang="en-US" smtClean="0"/>
+              <a:rPr lang="en-US"/>
               <a:t>Second level</a:t>
             </a:r>
           </a:p>
           <a:p>
             <a:pPr lvl="2" eaLnBrk="1" latinLnBrk="0" hangingPunct="1"/>
             <a:r>
-              <a:rPr lang="en-US" smtClean="0"/>
+              <a:rPr lang="en-US"/>
               <a:t>Third level</a:t>
             </a:r>
           </a:p>
           <a:p>
             <a:pPr lvl="3" eaLnBrk="1" latinLnBrk="0" hangingPunct="1"/>
             <a:r>
-              <a:rPr lang="en-US" smtClean="0"/>
+              <a:rPr lang="en-US"/>
               <a:t>Fourth level</a:t>
             </a:r>
           </a:p>
           <a:p>
             <a:pPr lvl="4" eaLnBrk="1" latinLnBrk="0" hangingPunct="1"/>
             <a:r>
-              <a:rPr lang="en-US" smtClean="0"/>
+              <a:rPr lang="en-US"/>
               <a:t>Fifth level</a:t>
             </a:r>
             <a:endParaRPr kumimoji="0" lang="en-US"/>
@@ -1359,7 +1373,7 @@
           <a:p>
             <a:fld id="{73E66D89-C1D7-4BAB-8D4A-CFBFE24EB60F}" type="datetime1">
               <a:rPr lang="en-US" smtClean="0"/>
-              <a:t>5/19/2019</a:t>
+              <a:t>5/20/2019</a:t>
             </a:fld>
             <a:endParaRPr lang="en-US" dirty="0"/>
           </a:p>
@@ -1452,10 +1466,9 @@
           </a:lstStyle>
           <a:p>
             <a:r>
-              <a:rPr kumimoji="0" lang="en-US" smtClean="0"/>
+              <a:rPr kumimoji="0" lang="en-US"/>
               <a:t>Click to edit Master title style</a:t>
             </a:r>
-            <a:endParaRPr kumimoji="0" lang="en-US"/>
           </a:p>
         </p:txBody>
       </p:sp>
@@ -1476,35 +1489,35 @@
           <a:p>
             <a:pPr lvl="0" eaLnBrk="1" latinLnBrk="0" hangingPunct="1"/>
             <a:r>
-              <a:rPr lang="en-US" smtClean="0"/>
+              <a:rPr lang="en-US"/>
               <a:t>Click to edit Master text styles</a:t>
             </a:r>
           </a:p>
           <a:p>
             <a:pPr lvl="1" eaLnBrk="1" latinLnBrk="0" hangingPunct="1"/>
             <a:r>
-              <a:rPr lang="en-US" smtClean="0"/>
+              <a:rPr lang="en-US"/>
               <a:t>Second level</a:t>
             </a:r>
           </a:p>
           <a:p>
             <a:pPr lvl="2" eaLnBrk="1" latinLnBrk="0" hangingPunct="1"/>
             <a:r>
-              <a:rPr lang="en-US" smtClean="0"/>
+              <a:rPr lang="en-US"/>
               <a:t>Third level</a:t>
             </a:r>
           </a:p>
           <a:p>
             <a:pPr lvl="3" eaLnBrk="1" latinLnBrk="0" hangingPunct="1"/>
             <a:r>
-              <a:rPr lang="en-US" smtClean="0"/>
+              <a:rPr lang="en-US"/>
               <a:t>Fourth level</a:t>
             </a:r>
           </a:p>
           <a:p>
             <a:pPr lvl="4" eaLnBrk="1" latinLnBrk="0" hangingPunct="1"/>
             <a:r>
-              <a:rPr lang="en-US" smtClean="0"/>
+              <a:rPr lang="en-US"/>
               <a:t>Fifth level</a:t>
             </a:r>
             <a:endParaRPr kumimoji="0" lang="en-US"/>
@@ -1528,7 +1541,7 @@
           <a:p>
             <a:fld id="{C9C79E85-1D2F-477B-BBE8-4A7F97670373}" type="datetime1">
               <a:rPr lang="en-US" smtClean="0"/>
-              <a:t>5/19/2019</a:t>
+              <a:t>5/20/2019</a:t>
             </a:fld>
             <a:endParaRPr lang="en-US" dirty="0"/>
           </a:p>
@@ -1881,10 +1894,9 @@
           </a:lstStyle>
           <a:p>
             <a:r>
-              <a:rPr kumimoji="0" lang="en-US" smtClean="0"/>
+              <a:rPr kumimoji="0" lang="en-US"/>
               <a:t>Click to edit Master title style</a:t>
             </a:r>
-            <a:endParaRPr kumimoji="0" lang="en-US"/>
           </a:p>
         </p:txBody>
       </p:sp>
@@ -1960,7 +1972,7 @@
           <a:p>
             <a:pPr lvl="0" eaLnBrk="1" latinLnBrk="0" hangingPunct="1"/>
             <a:r>
-              <a:rPr kumimoji="0" lang="en-US" smtClean="0"/>
+              <a:rPr kumimoji="0" lang="en-US"/>
               <a:t>Click to edit Master text styles</a:t>
             </a:r>
           </a:p>
@@ -1983,7 +1995,7 @@
           <a:p>
             <a:fld id="{A94E0D0E-3436-4F4C-8608-CE77D12FB72B}" type="datetime1">
               <a:rPr lang="en-US" smtClean="0"/>
-              <a:t>5/19/2019</a:t>
+              <a:t>5/20/2019</a:t>
             </a:fld>
             <a:endParaRPr lang="en-US" dirty="0"/>
           </a:p>
@@ -2077,10 +2089,9 @@
           <a:lstStyle/>
           <a:p>
             <a:r>
-              <a:rPr kumimoji="0" lang="en-US" smtClean="0"/>
+              <a:rPr kumimoji="0" lang="en-US"/>
               <a:t>Click to edit Master title style</a:t>
             </a:r>
-            <a:endParaRPr kumimoji="0" lang="en-US"/>
           </a:p>
         </p:txBody>
       </p:sp>
@@ -2122,35 +2133,35 @@
           <a:p>
             <a:pPr lvl="0" eaLnBrk="1" latinLnBrk="0" hangingPunct="1"/>
             <a:r>
-              <a:rPr lang="en-US" smtClean="0"/>
+              <a:rPr lang="en-US"/>
               <a:t>Click to edit Master text styles</a:t>
             </a:r>
           </a:p>
           <a:p>
             <a:pPr lvl="1" eaLnBrk="1" latinLnBrk="0" hangingPunct="1"/>
             <a:r>
-              <a:rPr lang="en-US" smtClean="0"/>
+              <a:rPr lang="en-US"/>
               <a:t>Second level</a:t>
             </a:r>
           </a:p>
           <a:p>
             <a:pPr lvl="2" eaLnBrk="1" latinLnBrk="0" hangingPunct="1"/>
             <a:r>
-              <a:rPr lang="en-US" smtClean="0"/>
+              <a:rPr lang="en-US"/>
               <a:t>Third level</a:t>
             </a:r>
           </a:p>
           <a:p>
             <a:pPr lvl="3" eaLnBrk="1" latinLnBrk="0" hangingPunct="1"/>
             <a:r>
-              <a:rPr lang="en-US" smtClean="0"/>
+              <a:rPr lang="en-US"/>
               <a:t>Fourth level</a:t>
             </a:r>
           </a:p>
           <a:p>
             <a:pPr lvl="4" eaLnBrk="1" latinLnBrk="0" hangingPunct="1"/>
             <a:r>
-              <a:rPr lang="en-US" smtClean="0"/>
+              <a:rPr lang="en-US"/>
               <a:t>Fifth level</a:t>
             </a:r>
             <a:endParaRPr kumimoji="0" lang="en-US"/>
@@ -2195,35 +2206,35 @@
           <a:p>
             <a:pPr lvl="0" eaLnBrk="1" latinLnBrk="0" hangingPunct="1"/>
             <a:r>
-              <a:rPr lang="en-US" smtClean="0"/>
+              <a:rPr lang="en-US"/>
               <a:t>Click to edit Master text styles</a:t>
             </a:r>
           </a:p>
           <a:p>
             <a:pPr lvl="1" eaLnBrk="1" latinLnBrk="0" hangingPunct="1"/>
             <a:r>
-              <a:rPr lang="en-US" smtClean="0"/>
+              <a:rPr lang="en-US"/>
               <a:t>Second level</a:t>
             </a:r>
           </a:p>
           <a:p>
             <a:pPr lvl="2" eaLnBrk="1" latinLnBrk="0" hangingPunct="1"/>
             <a:r>
-              <a:rPr lang="en-US" smtClean="0"/>
+              <a:rPr lang="en-US"/>
               <a:t>Third level</a:t>
             </a:r>
           </a:p>
           <a:p>
             <a:pPr lvl="3" eaLnBrk="1" latinLnBrk="0" hangingPunct="1"/>
             <a:r>
-              <a:rPr lang="en-US" smtClean="0"/>
+              <a:rPr lang="en-US"/>
               <a:t>Fourth level</a:t>
             </a:r>
           </a:p>
           <a:p>
             <a:pPr lvl="4" eaLnBrk="1" latinLnBrk="0" hangingPunct="1"/>
             <a:r>
-              <a:rPr lang="en-US" smtClean="0"/>
+              <a:rPr lang="en-US"/>
               <a:t>Fifth level</a:t>
             </a:r>
             <a:endParaRPr kumimoji="0" lang="en-US"/>
@@ -2247,7 +2258,7 @@
           <a:p>
             <a:fld id="{39510CC2-2627-4392-AE48-F60BF60FDE8D}" type="datetime1">
               <a:rPr lang="en-US" smtClean="0"/>
-              <a:t>5/19/2019</a:t>
+              <a:t>5/20/2019</a:t>
             </a:fld>
             <a:endParaRPr lang="en-US" dirty="0"/>
           </a:p>
@@ -2345,10 +2356,9 @@
           </a:lstStyle>
           <a:p>
             <a:r>
-              <a:rPr kumimoji="0" lang="en-US" smtClean="0"/>
+              <a:rPr kumimoji="0" lang="en-US"/>
               <a:t>Click to edit Master title style</a:t>
             </a:r>
-            <a:endParaRPr kumimoji="0" lang="en-US"/>
           </a:p>
         </p:txBody>
       </p:sp>
@@ -2399,7 +2409,7 @@
           <a:p>
             <a:pPr lvl="0" eaLnBrk="1" latinLnBrk="0" hangingPunct="1"/>
             <a:r>
-              <a:rPr kumimoji="0" lang="en-US" smtClean="0"/>
+              <a:rPr kumimoji="0" lang="en-US"/>
               <a:t>Click to edit Master text styles</a:t>
             </a:r>
           </a:p>
@@ -2452,7 +2462,7 @@
           <a:p>
             <a:pPr lvl="0" eaLnBrk="1" latinLnBrk="0" hangingPunct="1"/>
             <a:r>
-              <a:rPr kumimoji="0" lang="en-US" smtClean="0"/>
+              <a:rPr kumimoji="0" lang="en-US"/>
               <a:t>Click to edit Master text styles</a:t>
             </a:r>
           </a:p>
@@ -2496,35 +2506,35 @@
           <a:p>
             <a:pPr lvl="0" eaLnBrk="1" latinLnBrk="0" hangingPunct="1"/>
             <a:r>
-              <a:rPr lang="en-US" smtClean="0"/>
+              <a:rPr lang="en-US"/>
               <a:t>Click to edit Master text styles</a:t>
             </a:r>
           </a:p>
           <a:p>
             <a:pPr lvl="1" eaLnBrk="1" latinLnBrk="0" hangingPunct="1"/>
             <a:r>
-              <a:rPr lang="en-US" smtClean="0"/>
+              <a:rPr lang="en-US"/>
               <a:t>Second level</a:t>
             </a:r>
           </a:p>
           <a:p>
             <a:pPr lvl="2" eaLnBrk="1" latinLnBrk="0" hangingPunct="1"/>
             <a:r>
-              <a:rPr lang="en-US" smtClean="0"/>
+              <a:rPr lang="en-US"/>
               <a:t>Third level</a:t>
             </a:r>
           </a:p>
           <a:p>
             <a:pPr lvl="3" eaLnBrk="1" latinLnBrk="0" hangingPunct="1"/>
             <a:r>
-              <a:rPr lang="en-US" smtClean="0"/>
+              <a:rPr lang="en-US"/>
               <a:t>Fourth level</a:t>
             </a:r>
           </a:p>
           <a:p>
             <a:pPr lvl="4" eaLnBrk="1" latinLnBrk="0" hangingPunct="1"/>
             <a:r>
-              <a:rPr lang="en-US" smtClean="0"/>
+              <a:rPr lang="en-US"/>
               <a:t>Fifth level</a:t>
             </a:r>
             <a:endParaRPr kumimoji="0" lang="en-US"/>
@@ -2569,35 +2579,35 @@
           <a:p>
             <a:pPr lvl="0" eaLnBrk="1" latinLnBrk="0" hangingPunct="1"/>
             <a:r>
-              <a:rPr lang="en-US" smtClean="0"/>
+              <a:rPr lang="en-US"/>
               <a:t>Click to edit Master text styles</a:t>
             </a:r>
           </a:p>
           <a:p>
             <a:pPr lvl="1" eaLnBrk="1" latinLnBrk="0" hangingPunct="1"/>
             <a:r>
-              <a:rPr lang="en-US" smtClean="0"/>
+              <a:rPr lang="en-US"/>
               <a:t>Second level</a:t>
             </a:r>
           </a:p>
           <a:p>
             <a:pPr lvl="2" eaLnBrk="1" latinLnBrk="0" hangingPunct="1"/>
             <a:r>
-              <a:rPr lang="en-US" smtClean="0"/>
+              <a:rPr lang="en-US"/>
               <a:t>Third level</a:t>
             </a:r>
           </a:p>
           <a:p>
             <a:pPr lvl="3" eaLnBrk="1" latinLnBrk="0" hangingPunct="1"/>
             <a:r>
-              <a:rPr lang="en-US" smtClean="0"/>
+              <a:rPr lang="en-US"/>
               <a:t>Fourth level</a:t>
             </a:r>
           </a:p>
           <a:p>
             <a:pPr lvl="4" eaLnBrk="1" latinLnBrk="0" hangingPunct="1"/>
             <a:r>
-              <a:rPr lang="en-US" smtClean="0"/>
+              <a:rPr lang="en-US"/>
               <a:t>Fifth level</a:t>
             </a:r>
             <a:endParaRPr kumimoji="0" lang="en-US"/>
@@ -2621,7 +2631,7 @@
           <a:p>
             <a:fld id="{DCE04ADE-3BBA-4424-9D2F-1B1F2BA859F2}" type="datetime1">
               <a:rPr lang="en-US" smtClean="0"/>
-              <a:t>5/19/2019</a:t>
+              <a:t>5/20/2019</a:t>
             </a:fld>
             <a:endParaRPr lang="en-US" dirty="0"/>
           </a:p>
@@ -2719,10 +2729,9 @@
           </a:lstStyle>
           <a:p>
             <a:r>
-              <a:rPr kumimoji="0" lang="en-US" smtClean="0"/>
+              <a:rPr kumimoji="0" lang="en-US"/>
               <a:t>Click to edit Master title style</a:t>
             </a:r>
-            <a:endParaRPr kumimoji="0" lang="en-US"/>
           </a:p>
         </p:txBody>
       </p:sp>
@@ -2743,7 +2752,7 @@
           <a:p>
             <a:fld id="{9CA964A8-C6B3-4D50-BBFD-58D43C7F3544}" type="datetime1">
               <a:rPr lang="en-US" smtClean="0"/>
-              <a:t>5/19/2019</a:t>
+              <a:t>5/20/2019</a:t>
             </a:fld>
             <a:endParaRPr lang="en-US" dirty="0"/>
           </a:p>
@@ -2833,7 +2842,7 @@
           <a:p>
             <a:fld id="{DC1C8741-8383-4B49-BB53-43BE1918DA32}" type="datetime1">
               <a:rPr lang="en-US" smtClean="0"/>
-              <a:t>5/19/2019</a:t>
+              <a:t>5/20/2019</a:t>
             </a:fld>
             <a:endParaRPr lang="en-US" dirty="0"/>
           </a:p>
@@ -2936,10 +2945,9 @@
           </a:lstStyle>
           <a:p>
             <a:r>
-              <a:rPr kumimoji="0" lang="en-US" smtClean="0"/>
+              <a:rPr kumimoji="0" lang="en-US"/>
               <a:t>Click to edit Master title style</a:t>
             </a:r>
-            <a:endParaRPr kumimoji="0" lang="en-US"/>
           </a:p>
         </p:txBody>
       </p:sp>
@@ -2986,7 +2994,7 @@
           <a:p>
             <a:pPr lvl="0" eaLnBrk="1" latinLnBrk="0" hangingPunct="1"/>
             <a:r>
-              <a:rPr kumimoji="0" lang="en-US" smtClean="0"/>
+              <a:rPr kumimoji="0" lang="en-US"/>
               <a:t>Click to edit Master text styles</a:t>
             </a:r>
           </a:p>
@@ -3030,35 +3038,35 @@
           <a:p>
             <a:pPr lvl="0" eaLnBrk="1" latinLnBrk="0" hangingPunct="1"/>
             <a:r>
-              <a:rPr lang="en-US" smtClean="0"/>
+              <a:rPr lang="en-US"/>
               <a:t>Click to edit Master text styles</a:t>
             </a:r>
           </a:p>
           <a:p>
             <a:pPr lvl="1" eaLnBrk="1" latinLnBrk="0" hangingPunct="1"/>
             <a:r>
-              <a:rPr lang="en-US" smtClean="0"/>
+              <a:rPr lang="en-US"/>
               <a:t>Second level</a:t>
             </a:r>
           </a:p>
           <a:p>
             <a:pPr lvl="2" eaLnBrk="1" latinLnBrk="0" hangingPunct="1"/>
             <a:r>
-              <a:rPr lang="en-US" smtClean="0"/>
+              <a:rPr lang="en-US"/>
               <a:t>Third level</a:t>
             </a:r>
           </a:p>
           <a:p>
             <a:pPr lvl="3" eaLnBrk="1" latinLnBrk="0" hangingPunct="1"/>
             <a:r>
-              <a:rPr lang="en-US" smtClean="0"/>
+              <a:rPr lang="en-US"/>
               <a:t>Fourth level</a:t>
             </a:r>
           </a:p>
           <a:p>
             <a:pPr lvl="4" eaLnBrk="1" latinLnBrk="0" hangingPunct="1"/>
             <a:r>
-              <a:rPr lang="en-US" smtClean="0"/>
+              <a:rPr lang="en-US"/>
               <a:t>Fifth level</a:t>
             </a:r>
             <a:endParaRPr kumimoji="0" lang="en-US"/>
@@ -3082,7 +3090,7 @@
           <a:p>
             <a:fld id="{6C318A7A-4453-4BD5-8AB7-45AA3E9C5FE0}" type="datetime1">
               <a:rPr lang="en-US" smtClean="0"/>
-              <a:t>5/19/2019</a:t>
+              <a:t>5/20/2019</a:t>
             </a:fld>
             <a:endParaRPr lang="en-US" dirty="0"/>
           </a:p>
@@ -3190,10 +3198,9 @@
           </a:lstStyle>
           <a:p>
             <a:r>
-              <a:rPr kumimoji="0" lang="en-US" smtClean="0"/>
+              <a:rPr kumimoji="0" lang="en-US"/>
               <a:t>Click to edit Master title style</a:t>
             </a:r>
-            <a:endParaRPr kumimoji="0" lang="en-US"/>
           </a:p>
         </p:txBody>
       </p:sp>
@@ -3258,10 +3265,9 @@
           </a:lstStyle>
           <a:p>
             <a:r>
-              <a:rPr kumimoji="0" lang="en-US" dirty="0" smtClean="0"/>
+              <a:rPr kumimoji="0" lang="en-US" dirty="0"/>
               <a:t>Click icon to add picture</a:t>
             </a:r>
-            <a:endParaRPr kumimoji="0" lang="en-US" dirty="0"/>
           </a:p>
         </p:txBody>
       </p:sp>
@@ -3313,7 +3319,7 @@
           <a:p>
             <a:pPr lvl="0" eaLnBrk="1" latinLnBrk="0" hangingPunct="1"/>
             <a:r>
-              <a:rPr kumimoji="0" lang="en-US" smtClean="0"/>
+              <a:rPr kumimoji="0" lang="en-US"/>
               <a:t>Click to edit Master text styles</a:t>
             </a:r>
           </a:p>
@@ -3341,7 +3347,7 @@
           <a:p>
             <a:fld id="{DE329CA9-2797-429D-A799-93AB3F83623F}" type="datetime1">
               <a:rPr lang="en-US" smtClean="0"/>
-              <a:t>5/19/2019</a:t>
+              <a:t>5/20/2019</a:t>
             </a:fld>
             <a:endParaRPr lang="en-US" dirty="0"/>
           </a:p>
@@ -3641,10 +3647,9 @@
           <a:lstStyle/>
           <a:p>
             <a:r>
-              <a:rPr kumimoji="0" lang="en-US" smtClean="0"/>
+              <a:rPr kumimoji="0" lang="en-US"/>
               <a:t>Click to edit Master title style</a:t>
             </a:r>
-            <a:endParaRPr kumimoji="0" lang="en-US"/>
           </a:p>
         </p:txBody>
       </p:sp>
@@ -3675,38 +3680,37 @@
           <a:p>
             <a:pPr lvl="0" eaLnBrk="1" latinLnBrk="0" hangingPunct="1"/>
             <a:r>
-              <a:rPr kumimoji="0" lang="en-US" smtClean="0"/>
+              <a:rPr kumimoji="0" lang="en-US"/>
               <a:t>Click to edit Master text styles</a:t>
             </a:r>
           </a:p>
           <a:p>
             <a:pPr lvl="1" eaLnBrk="1" latinLnBrk="0" hangingPunct="1"/>
             <a:r>
-              <a:rPr kumimoji="0" lang="en-US" smtClean="0"/>
+              <a:rPr kumimoji="0" lang="en-US"/>
               <a:t>Second level</a:t>
             </a:r>
           </a:p>
           <a:p>
             <a:pPr lvl="2" eaLnBrk="1" latinLnBrk="0" hangingPunct="1"/>
             <a:r>
-              <a:rPr kumimoji="0" lang="en-US" smtClean="0"/>
+              <a:rPr kumimoji="0" lang="en-US"/>
               <a:t>Third level</a:t>
             </a:r>
           </a:p>
           <a:p>
             <a:pPr lvl="3" eaLnBrk="1" latinLnBrk="0" hangingPunct="1"/>
             <a:r>
-              <a:rPr kumimoji="0" lang="en-US" smtClean="0"/>
+              <a:rPr kumimoji="0" lang="en-US"/>
               <a:t>Fourth level</a:t>
             </a:r>
           </a:p>
           <a:p>
             <a:pPr lvl="4" eaLnBrk="1" latinLnBrk="0" hangingPunct="1"/>
             <a:r>
-              <a:rPr kumimoji="0" lang="en-US" smtClean="0"/>
+              <a:rPr kumimoji="0" lang="en-US"/>
               <a:t>Fifth level</a:t>
             </a:r>
-            <a:endParaRPr kumimoji="0" lang="en-US"/>
           </a:p>
         </p:txBody>
       </p:sp>
@@ -3745,7 +3749,7 @@
           <a:p>
             <a:fld id="{56EE5F79-99D7-48D8-9BE2-8F8AFE0E3260}" type="datetime1">
               <a:rPr lang="en-US" smtClean="0"/>
-              <a:t>5/19/2019</a:t>
+              <a:t>5/20/2019</a:t>
             </a:fld>
             <a:endParaRPr lang="en-US" dirty="0"/>
           </a:p>
@@ -4170,30 +4174,18 @@
           <a:p>
             <a:pPr algn="ctr"/>
             <a:r>
-              <a:rPr lang="en-US" dirty="0" smtClean="0">
+              <a:rPr lang="en-US" dirty="0">
                 <a:latin typeface="+mn-lt"/>
               </a:rPr>
               <a:t>ROBOTINHO</a:t>
             </a:r>
-            <a:r>
-              <a:rPr lang="ro-RO" dirty="0" smtClean="0">
-                <a:latin typeface="+mn-lt"/>
-              </a:rPr>
-              <a:t/>
-            </a:r>
             <a:br>
-              <a:rPr lang="ro-RO" dirty="0" smtClean="0">
+              <a:rPr lang="ro-RO" dirty="0">
                 <a:latin typeface="+mn-lt"/>
               </a:rPr>
             </a:br>
-            <a:r>
-              <a:rPr lang="ro-RO" dirty="0" smtClean="0">
-                <a:latin typeface="+mn-lt"/>
-              </a:rPr>
-              <a:t/>
-            </a:r>
             <a:br>
-              <a:rPr lang="ro-RO" dirty="0" smtClean="0">
+              <a:rPr lang="ro-RO" dirty="0">
                 <a:latin typeface="+mn-lt"/>
               </a:rPr>
             </a:br>
@@ -4233,10 +4225,9 @@
           <a:p>
             <a:pPr algn="l"/>
             <a:r>
-              <a:rPr lang="en-US" noProof="1" smtClean="0"/>
+              <a:rPr lang="en-US" noProof="1"/>
               <a:t>Coordonator: Ș.l.dr.ing. Sorin NANU </a:t>
             </a:r>
-            <a:endParaRPr lang="en-US" noProof="1"/>
           </a:p>
         </p:txBody>
       </p:sp>
@@ -4263,19 +4254,19 @@
           <a:lstStyle/>
           <a:p>
             <a:r>
-              <a:rPr lang="en-US" dirty="0" smtClean="0"/>
+              <a:rPr lang="en-US" dirty="0"/>
               <a:t>Student: </a:t>
             </a:r>
             <a:r>
-              <a:rPr lang="en-US" noProof="1" smtClean="0"/>
+              <a:rPr lang="en-US" noProof="1"/>
               <a:t>Silviu</a:t>
             </a:r>
             <a:r>
-              <a:rPr lang="en-US" dirty="0" smtClean="0"/>
+              <a:rPr lang="en-US" dirty="0"/>
               <a:t> </a:t>
             </a:r>
             <a:r>
-              <a:rPr lang="ro-RO" dirty="0" smtClean="0"/>
+              <a:rPr lang="ro-RO" dirty="0"/>
               <a:t>BĂTRÎNUȚ</a:t>
             </a:r>
             <a:endParaRPr lang="en-US" dirty="0"/>
@@ -4292,13 +4283,221 @@
   <p:clrMapOvr>
     <a:masterClrMapping/>
   </p:clrMapOvr>
-  <p:timing>
-    <p:tnLst>
-      <p:par>
-        <p:cTn id="1" dur="indefinite" restart="never" nodeType="tmRoot"/>
-      </p:par>
-    </p:tnLst>
-  </p:timing>
+</p:sld>
+</file>
+
+<file path=ppt/slides/slide10.xml><?xml version="1.0" encoding="utf-8"?>
+<p:sld xmlns:a="http://schemas.openxmlformats.org/drawingml/2006/main" xmlns:r="http://schemas.openxmlformats.org/officeDocument/2006/relationships" xmlns:p="http://schemas.openxmlformats.org/presentationml/2006/main">
+  <p:cSld>
+    <p:spTree>
+      <p:nvGrpSpPr>
+        <p:cNvPr id="1" name=""/>
+        <p:cNvGrpSpPr/>
+        <p:nvPr/>
+      </p:nvGrpSpPr>
+      <p:grpSpPr>
+        <a:xfrm>
+          <a:off x="0" y="0"/>
+          <a:ext cx="0" cy="0"/>
+          <a:chOff x="0" y="0"/>
+          <a:chExt cx="0" cy="0"/>
+        </a:xfrm>
+      </p:grpSpPr>
+      <p:sp>
+        <p:nvSpPr>
+          <p:cNvPr id="2" name="Title 1"/>
+          <p:cNvSpPr>
+            <a:spLocks noGrp="1"/>
+          </p:cNvSpPr>
+          <p:nvPr>
+            <p:ph type="title"/>
+          </p:nvPr>
+        </p:nvSpPr>
+        <p:spPr>
+          <a:xfrm>
+            <a:off x="457200" y="274638"/>
+            <a:ext cx="8686800" cy="1143000"/>
+          </a:xfrm>
+        </p:spPr>
+        <p:txBody>
+          <a:bodyPr/>
+          <a:lstStyle/>
+          <a:p>
+            <a:pPr algn="ctr"/>
+            <a:r>
+              <a:rPr lang="ro-RO" dirty="0">
+                <a:latin typeface="+mn-lt"/>
+              </a:rPr>
+              <a:t>Concluzii</a:t>
+            </a:r>
+            <a:endParaRPr lang="en-US" dirty="0">
+              <a:latin typeface="+mn-lt"/>
+            </a:endParaRPr>
+          </a:p>
+        </p:txBody>
+      </p:sp>
+      <p:sp>
+        <p:nvSpPr>
+          <p:cNvPr id="3" name="Content Placeholder 2"/>
+          <p:cNvSpPr>
+            <a:spLocks noGrp="1"/>
+          </p:cNvSpPr>
+          <p:nvPr>
+            <p:ph idx="1"/>
+          </p:nvPr>
+        </p:nvSpPr>
+        <p:spPr/>
+        <p:txBody>
+          <a:bodyPr/>
+          <a:lstStyle/>
+          <a:p>
+            <a:endParaRPr lang="en-US" dirty="0"/>
+          </a:p>
+        </p:txBody>
+      </p:sp>
+      <p:sp>
+        <p:nvSpPr>
+          <p:cNvPr id="4" name="Slide Number Placeholder 3"/>
+          <p:cNvSpPr>
+            <a:spLocks noGrp="1"/>
+          </p:cNvSpPr>
+          <p:nvPr>
+            <p:ph type="sldNum" sz="quarter" idx="12"/>
+          </p:nvPr>
+        </p:nvSpPr>
+        <p:spPr/>
+        <p:txBody>
+          <a:bodyPr/>
+          <a:lstStyle/>
+          <a:p>
+            <a:fld id="{29574101-FBCA-4CCC-8F71-4FACD19D0373}" type="slidenum">
+              <a:rPr lang="en-US" smtClean="0"/>
+              <a:t>10</a:t>
+            </a:fld>
+            <a:endParaRPr lang="en-US" dirty="0"/>
+          </a:p>
+        </p:txBody>
+      </p:sp>
+    </p:spTree>
+    <p:extLst>
+      <p:ext uri="{BB962C8B-B14F-4D97-AF65-F5344CB8AC3E}">
+        <p14:creationId xmlns:p14="http://schemas.microsoft.com/office/powerpoint/2010/main" val="972988674"/>
+      </p:ext>
+    </p:extLst>
+  </p:cSld>
+  <p:clrMapOvr>
+    <a:masterClrMapping/>
+  </p:clrMapOvr>
+</p:sld>
+</file>
+
+<file path=ppt/slides/slide11.xml><?xml version="1.0" encoding="utf-8"?>
+<p:sld xmlns:a="http://schemas.openxmlformats.org/drawingml/2006/main" xmlns:r="http://schemas.openxmlformats.org/officeDocument/2006/relationships" xmlns:p="http://schemas.openxmlformats.org/presentationml/2006/main">
+  <p:cSld>
+    <p:spTree>
+      <p:nvGrpSpPr>
+        <p:cNvPr id="1" name=""/>
+        <p:cNvGrpSpPr/>
+        <p:nvPr/>
+      </p:nvGrpSpPr>
+      <p:grpSpPr>
+        <a:xfrm>
+          <a:off x="0" y="0"/>
+          <a:ext cx="0" cy="0"/>
+          <a:chOff x="0" y="0"/>
+          <a:chExt cx="0" cy="0"/>
+        </a:xfrm>
+      </p:grpSpPr>
+      <p:sp>
+        <p:nvSpPr>
+          <p:cNvPr id="2" name="Title 1"/>
+          <p:cNvSpPr>
+            <a:spLocks noGrp="1"/>
+          </p:cNvSpPr>
+          <p:nvPr>
+            <p:ph type="title"/>
+          </p:nvPr>
+        </p:nvSpPr>
+        <p:spPr/>
+        <p:txBody>
+          <a:bodyPr/>
+          <a:lstStyle/>
+          <a:p>
+            <a:endParaRPr lang="en-US" dirty="0"/>
+          </a:p>
+        </p:txBody>
+      </p:sp>
+      <p:sp>
+        <p:nvSpPr>
+          <p:cNvPr id="3" name="Content Placeholder 2"/>
+          <p:cNvSpPr>
+            <a:spLocks noGrp="1"/>
+          </p:cNvSpPr>
+          <p:nvPr>
+            <p:ph idx="1"/>
+          </p:nvPr>
+        </p:nvSpPr>
+        <p:spPr/>
+        <p:txBody>
+          <a:bodyPr/>
+          <a:lstStyle/>
+          <a:p>
+            <a:pPr algn="ctr"/>
+            <a:endParaRPr lang="ro-RO" dirty="0"/>
+          </a:p>
+          <a:p>
+            <a:pPr algn="ctr"/>
+            <a:endParaRPr lang="ro-RO" dirty="0"/>
+          </a:p>
+          <a:p>
+            <a:pPr algn="ctr"/>
+            <a:endParaRPr lang="ro-RO" dirty="0"/>
+          </a:p>
+          <a:p>
+            <a:pPr marL="36576" indent="0" algn="ctr">
+              <a:buNone/>
+            </a:pPr>
+            <a:r>
+              <a:rPr lang="ro-RO" sz="4000" dirty="0"/>
+              <a:t>      Vă mulțumesc!</a:t>
+            </a:r>
+            <a:endParaRPr lang="en-US" sz="4000" dirty="0"/>
+          </a:p>
+        </p:txBody>
+      </p:sp>
+      <p:sp>
+        <p:nvSpPr>
+          <p:cNvPr id="4" name="Slide Number Placeholder 3"/>
+          <p:cNvSpPr>
+            <a:spLocks noGrp="1"/>
+          </p:cNvSpPr>
+          <p:nvPr>
+            <p:ph type="sldNum" sz="quarter" idx="12"/>
+          </p:nvPr>
+        </p:nvSpPr>
+        <p:spPr/>
+        <p:txBody>
+          <a:bodyPr/>
+          <a:lstStyle/>
+          <a:p>
+            <a:fld id="{29574101-FBCA-4CCC-8F71-4FACD19D0373}" type="slidenum">
+              <a:rPr lang="en-US" smtClean="0"/>
+              <a:t>11</a:t>
+            </a:fld>
+            <a:endParaRPr lang="en-US" dirty="0"/>
+          </a:p>
+        </p:txBody>
+      </p:sp>
+    </p:spTree>
+    <p:extLst>
+      <p:ext uri="{BB962C8B-B14F-4D97-AF65-F5344CB8AC3E}">
+        <p14:creationId xmlns:p14="http://schemas.microsoft.com/office/powerpoint/2010/main" val="3042405997"/>
+      </p:ext>
+    </p:extLst>
+  </p:cSld>
+  <p:clrMapOvr>
+    <a:masterClrMapping/>
+  </p:clrMapOvr>
 </p:sld>
 </file>
 
@@ -4341,7 +4540,7 @@
           <a:p>
             <a:pPr algn="ctr"/>
             <a:r>
-              <a:rPr lang="ro-RO" dirty="0" smtClean="0">
+              <a:rPr lang="ro-RO" dirty="0">
                 <a:latin typeface="+mn-lt"/>
               </a:rPr>
               <a:t>Tema proiectului</a:t>
@@ -4368,11 +4567,11 @@
           <a:lstStyle/>
           <a:p>
             <a:r>
-              <a:rPr lang="en-US" dirty="0" smtClean="0"/>
+              <a:rPr lang="en-US" dirty="0"/>
               <a:t>Implementarea unui algoritm de c</a:t>
             </a:r>
             <a:r>
-              <a:rPr lang="ro-RO" dirty="0" smtClean="0"/>
+              <a:rPr lang="ro-RO" dirty="0"/>
               <a:t>ăutare a unei mingi și de șutare a acesteia</a:t>
             </a:r>
           </a:p>
@@ -4380,11 +4579,11 @@
             <a:endParaRPr lang="ro-RO" dirty="0"/>
           </a:p>
           <a:p>
-            <a:endParaRPr lang="ro-RO" dirty="0" smtClean="0"/>
-          </a:p>
-          <a:p>
-            <a:r>
-              <a:rPr lang="ro-RO" dirty="0" smtClean="0"/>
+            <a:endParaRPr lang="ro-RO" dirty="0"/>
+          </a:p>
+          <a:p>
+            <a:r>
+              <a:rPr lang="ro-RO" dirty="0"/>
               <a:t>Posibilitatea de control manual prin intermediul unei aplicații mobile</a:t>
             </a:r>
             <a:endParaRPr lang="en-US" dirty="0"/>
@@ -4429,13 +4628,6 @@
   <p:clrMapOvr>
     <a:masterClrMapping/>
   </p:clrMapOvr>
-  <p:timing>
-    <p:tnLst>
-      <p:par>
-        <p:cTn id="1" dur="indefinite" restart="never" nodeType="tmRoot"/>
-      </p:par>
-    </p:tnLst>
-  </p:timing>
 </p:sld>
 </file>
 
@@ -4478,7 +4670,7 @@
           <a:p>
             <a:pPr algn="ctr"/>
             <a:r>
-              <a:rPr lang="ro-RO" dirty="0" smtClean="0">
+              <a:rPr lang="ro-RO" dirty="0">
                 <a:latin typeface="Arial" pitchFamily="34" charset="0"/>
                 <a:cs typeface="Arial" pitchFamily="34" charset="0"/>
               </a:rPr>
@@ -4553,13 +4745,6 @@
   <p:clrMapOvr>
     <a:masterClrMapping/>
   </p:clrMapOvr>
-  <p:timing>
-    <p:tnLst>
-      <p:par>
-        <p:cTn id="1" dur="indefinite" restart="never" nodeType="tmRoot"/>
-      </p:par>
-    </p:tnLst>
-  </p:timing>
 </p:sld>
 </file>
 
@@ -4602,7 +4787,7 @@
           <a:p>
             <a:pPr algn="ctr"/>
             <a:r>
-              <a:rPr lang="ro-RO" dirty="0" smtClean="0">
+              <a:rPr lang="ro-RO" dirty="0">
                 <a:latin typeface="Arial" pitchFamily="34" charset="0"/>
                 <a:cs typeface="Arial" pitchFamily="34" charset="0"/>
               </a:rPr>
@@ -4631,42 +4816,42 @@
           <a:lstStyle/>
           <a:p>
             <a:r>
-              <a:rPr lang="en-US" dirty="0" smtClean="0"/>
+              <a:rPr lang="en-US" dirty="0"/>
               <a:t>C</a:t>
             </a:r>
             <a:r>
-              <a:rPr lang="ro-RO" dirty="0" smtClean="0"/>
+              <a:rPr lang="ro-RO" dirty="0"/>
               <a:t>ăutare automată a obiectului dorit</a:t>
             </a:r>
           </a:p>
           <a:p>
             <a:pPr lvl="1"/>
             <a:r>
-              <a:rPr lang="ro-RO" dirty="0" smtClean="0"/>
+              <a:rPr lang="ro-RO" dirty="0"/>
               <a:t>Deplasarea în orice direcție</a:t>
             </a:r>
           </a:p>
           <a:p>
             <a:pPr lvl="1"/>
             <a:r>
-              <a:rPr lang="ro-RO" dirty="0" smtClean="0"/>
+              <a:rPr lang="ro-RO" dirty="0"/>
               <a:t>Lovirea obiectului cu ambele picioare</a:t>
             </a:r>
           </a:p>
           <a:p>
             <a:pPr lvl="1"/>
-            <a:endParaRPr lang="ro-RO" dirty="0" smtClean="0"/>
-          </a:p>
-          <a:p>
-            <a:r>
-              <a:rPr lang="ro-RO" dirty="0" smtClean="0"/>
+            <a:endParaRPr lang="ro-RO" dirty="0"/>
+          </a:p>
+          <a:p>
+            <a:r>
+              <a:rPr lang="ro-RO" dirty="0"/>
               <a:t>Comandă manuală cu ajutorul unei interfețe</a:t>
             </a:r>
           </a:p>
           <a:p>
             <a:pPr lvl="1"/>
             <a:r>
-              <a:rPr lang="ro-RO" dirty="0" smtClean="0"/>
+              <a:rPr lang="ro-RO" dirty="0"/>
               <a:t>Toate funcțiile executate de căutarea automată</a:t>
             </a:r>
           </a:p>
@@ -4705,13 +4890,6 @@
   <p:clrMapOvr>
     <a:masterClrMapping/>
   </p:clrMapOvr>
-  <p:timing>
-    <p:tnLst>
-      <p:par>
-        <p:cTn id="1" dur="indefinite" restart="never" nodeType="tmRoot"/>
-      </p:par>
-    </p:tnLst>
-  </p:timing>
 </p:sld>
 </file>
 
@@ -4734,7 +4912,13 @@
       </p:grpSpPr>
       <p:sp>
         <p:nvSpPr>
-          <p:cNvPr id="2" name="Title 1"/>
+          <p:cNvPr id="2" name="Title 1">
+            <a:extLst>
+              <a:ext uri="{FF2B5EF4-FFF2-40B4-BE49-F238E27FC236}">
+                <a16:creationId xmlns:a16="http://schemas.microsoft.com/office/drawing/2014/main" id="{5F3B14D9-550A-4603-AE2C-4A235FBBA816}"/>
+              </a:ext>
+            </a:extLst>
+          </p:cNvPr>
           <p:cNvSpPr>
             <a:spLocks noGrp="1"/>
           </p:cNvSpPr>
@@ -4752,13 +4936,23 @@
           <a:bodyPr/>
           <a:lstStyle/>
           <a:p>
-            <a:endParaRPr lang="en-US" dirty="0"/>
-          </a:p>
-        </p:txBody>
-      </p:sp>
-      <p:sp>
-        <p:nvSpPr>
-          <p:cNvPr id="3" name="Content Placeholder 2"/>
+            <a:pPr algn="ctr"/>
+            <a:r>
+              <a:rPr lang="en-US" dirty="0"/>
+              <a:t>Hardware</a:t>
+            </a:r>
+          </a:p>
+        </p:txBody>
+      </p:sp>
+      <p:sp>
+        <p:nvSpPr>
+          <p:cNvPr id="3" name="Content Placeholder 2">
+            <a:extLst>
+              <a:ext uri="{FF2B5EF4-FFF2-40B4-BE49-F238E27FC236}">
+                <a16:creationId xmlns:a16="http://schemas.microsoft.com/office/drawing/2014/main" id="{1E9E8193-0E49-4EA5-B070-B1AF76E8B017}"/>
+              </a:ext>
+            </a:extLst>
+          </p:cNvPr>
           <p:cNvSpPr>
             <a:spLocks noGrp="1"/>
           </p:cNvSpPr>
@@ -4771,13 +4965,34 @@
           <a:bodyPr/>
           <a:lstStyle/>
           <a:p>
-            <a:endParaRPr lang="en-US" dirty="0"/>
-          </a:p>
-        </p:txBody>
-      </p:sp>
-      <p:sp>
-        <p:nvSpPr>
-          <p:cNvPr id="4" name="Slide Number Placeholder 3"/>
+            <a:r>
+              <a:rPr lang="en-US" dirty="0"/>
+              <a:t>Asamblare kit BRAT biped robot</a:t>
+            </a:r>
+          </a:p>
+          <a:p>
+            <a:r>
+              <a:rPr lang="en-US" dirty="0"/>
+              <a:t>6 grade de libertate</a:t>
+            </a:r>
+          </a:p>
+          <a:p>
+            <a:endParaRPr lang="en-US" dirty="0"/>
+          </a:p>
+          <a:p>
+            <a:endParaRPr lang="en-US" dirty="0"/>
+          </a:p>
+        </p:txBody>
+      </p:sp>
+      <p:sp>
+        <p:nvSpPr>
+          <p:cNvPr id="4" name="Slide Number Placeholder 3">
+            <a:extLst>
+              <a:ext uri="{FF2B5EF4-FFF2-40B4-BE49-F238E27FC236}">
+                <a16:creationId xmlns:a16="http://schemas.microsoft.com/office/drawing/2014/main" id="{4E707F7B-000B-4ECD-9B77-ECC0C1DD16DD}"/>
+              </a:ext>
+            </a:extLst>
+          </p:cNvPr>
           <p:cNvSpPr>
             <a:spLocks noGrp="1"/>
           </p:cNvSpPr>
@@ -4801,20 +5016,13 @@
     </p:spTree>
     <p:extLst>
       <p:ext uri="{BB962C8B-B14F-4D97-AF65-F5344CB8AC3E}">
-        <p14:creationId xmlns:p14="http://schemas.microsoft.com/office/powerpoint/2010/main" val="4113320267"/>
+        <p14:creationId xmlns:p14="http://schemas.microsoft.com/office/powerpoint/2010/main" val="1035828335"/>
       </p:ext>
     </p:extLst>
   </p:cSld>
   <p:clrMapOvr>
     <a:masterClrMapping/>
   </p:clrMapOvr>
-  <p:timing>
-    <p:tnLst>
-      <p:par>
-        <p:cTn id="1" dur="indefinite" restart="never" nodeType="tmRoot"/>
-      </p:par>
-    </p:tnLst>
-  </p:timing>
 </p:sld>
 </file>
 
@@ -4837,7 +5045,13 @@
       </p:grpSpPr>
       <p:sp>
         <p:nvSpPr>
-          <p:cNvPr id="2" name="Title 1"/>
+          <p:cNvPr id="2" name="Title 1">
+            <a:extLst>
+              <a:ext uri="{FF2B5EF4-FFF2-40B4-BE49-F238E27FC236}">
+                <a16:creationId xmlns:a16="http://schemas.microsoft.com/office/drawing/2014/main" id="{34D6937F-1795-4A26-A086-A7E90E3686E0}"/>
+              </a:ext>
+            </a:extLst>
+          </p:cNvPr>
           <p:cNvSpPr>
             <a:spLocks noGrp="1"/>
           </p:cNvSpPr>
@@ -4855,13 +5069,20 @@
           <a:bodyPr/>
           <a:lstStyle/>
           <a:p>
-            <a:endParaRPr lang="en-US" dirty="0"/>
-          </a:p>
-        </p:txBody>
-      </p:sp>
-      <p:sp>
-        <p:nvSpPr>
-          <p:cNvPr id="3" name="Content Placeholder 2"/>
+            <a:pPr algn="ctr"/>
+            <a:endParaRPr lang="en-US" dirty="0"/>
+          </a:p>
+        </p:txBody>
+      </p:sp>
+      <p:sp>
+        <p:nvSpPr>
+          <p:cNvPr id="3" name="Content Placeholder 2">
+            <a:extLst>
+              <a:ext uri="{FF2B5EF4-FFF2-40B4-BE49-F238E27FC236}">
+                <a16:creationId xmlns:a16="http://schemas.microsoft.com/office/drawing/2014/main" id="{AA8CBBA4-5D7F-4186-B7A4-C33D866B0169}"/>
+              </a:ext>
+            </a:extLst>
+          </p:cNvPr>
           <p:cNvSpPr>
             <a:spLocks noGrp="1"/>
           </p:cNvSpPr>
@@ -4874,13 +5095,19 @@
           <a:bodyPr/>
           <a:lstStyle/>
           <a:p>
-            <a:endParaRPr lang="en-US" dirty="0"/>
-          </a:p>
-        </p:txBody>
-      </p:sp>
-      <p:sp>
-        <p:nvSpPr>
-          <p:cNvPr id="4" name="Slide Number Placeholder 3"/>
+            <a:endParaRPr lang="en-US"/>
+          </a:p>
+        </p:txBody>
+      </p:sp>
+      <p:sp>
+        <p:nvSpPr>
+          <p:cNvPr id="4" name="Slide Number Placeholder 3">
+            <a:extLst>
+              <a:ext uri="{FF2B5EF4-FFF2-40B4-BE49-F238E27FC236}">
+                <a16:creationId xmlns:a16="http://schemas.microsoft.com/office/drawing/2014/main" id="{1DB4C6C8-2288-40CD-A066-D74671E2E586}"/>
+              </a:ext>
+            </a:extLst>
+          </p:cNvPr>
           <p:cNvSpPr>
             <a:spLocks noGrp="1"/>
           </p:cNvSpPr>
@@ -4904,20 +5131,13 @@
     </p:spTree>
     <p:extLst>
       <p:ext uri="{BB962C8B-B14F-4D97-AF65-F5344CB8AC3E}">
-        <p14:creationId xmlns:p14="http://schemas.microsoft.com/office/powerpoint/2010/main" val="3872135971"/>
+        <p14:creationId xmlns:p14="http://schemas.microsoft.com/office/powerpoint/2010/main" val="1349906419"/>
       </p:ext>
     </p:extLst>
   </p:cSld>
   <p:clrMapOvr>
     <a:masterClrMapping/>
   </p:clrMapOvr>
-  <p:timing>
-    <p:tnLst>
-      <p:par>
-        <p:cTn id="1" dur="indefinite" restart="never" nodeType="tmRoot"/>
-      </p:par>
-    </p:tnLst>
-  </p:timing>
 </p:sld>
 </file>
 
@@ -4960,36 +5180,52 @@
           <a:p>
             <a:pPr algn="ctr"/>
             <a:r>
-              <a:rPr lang="ro-RO" dirty="0" smtClean="0">
-                <a:latin typeface="+mn-lt"/>
-              </a:rPr>
-              <a:t>Concluzii</a:t>
-            </a:r>
-            <a:endParaRPr lang="en-US" dirty="0">
-              <a:latin typeface="+mn-lt"/>
-            </a:endParaRPr>
-          </a:p>
-        </p:txBody>
-      </p:sp>
-      <p:sp>
-        <p:nvSpPr>
-          <p:cNvPr id="3" name="Content Placeholder 2"/>
-          <p:cNvSpPr>
-            <a:spLocks noGrp="1"/>
-          </p:cNvSpPr>
+              <a:rPr lang="en-US" noProof="1"/>
+              <a:t>Aplica</a:t>
+            </a:r>
+            <a:r>
+              <a:rPr lang="ro-RO" dirty="0"/>
+              <a:t>ția Android</a:t>
+            </a:r>
+            <a:endParaRPr lang="en-US" dirty="0"/>
+          </a:p>
+        </p:txBody>
+      </p:sp>
+      <p:pic>
+        <p:nvPicPr>
+          <p:cNvPr id="6" name="Content Placeholder 5">
+            <a:extLst>
+              <a:ext uri="{FF2B5EF4-FFF2-40B4-BE49-F238E27FC236}">
+                <a16:creationId xmlns:a16="http://schemas.microsoft.com/office/drawing/2014/main" id="{81FB5CCB-CE24-457F-AB30-55B941DCE6AB}"/>
+              </a:ext>
+            </a:extLst>
+          </p:cNvPr>
+          <p:cNvPicPr>
+            <a:picLocks noGrp="1" noChangeAspect="1"/>
+          </p:cNvPicPr>
           <p:nvPr>
             <p:ph idx="1"/>
           </p:nvPr>
-        </p:nvSpPr>
-        <p:spPr/>
-        <p:txBody>
-          <a:bodyPr/>
-          <a:lstStyle/>
-          <a:p>
-            <a:endParaRPr lang="en-US" dirty="0"/>
-          </a:p>
-        </p:txBody>
-      </p:sp>
+        </p:nvPicPr>
+        <p:blipFill>
+          <a:blip r:embed="rId2" cstate="print">
+            <a:extLst>
+              <a:ext uri="{28A0092B-C50C-407E-A947-70E740481C1C}">
+                <a14:useLocalDpi xmlns:a14="http://schemas.microsoft.com/office/drawing/2010/main" val="0"/>
+              </a:ext>
+            </a:extLst>
+          </a:blip>
+          <a:stretch>
+            <a:fillRect/>
+          </a:stretch>
+        </p:blipFill>
+        <p:spPr>
+          <a:xfrm>
+            <a:off x="3779912" y="1556792"/>
+            <a:ext cx="2232248" cy="4248472"/>
+          </a:xfrm>
+        </p:spPr>
+      </p:pic>
       <p:sp>
         <p:nvSpPr>
           <p:cNvPr id="4" name="Slide Number Placeholder 3"/>
@@ -5013,23 +5249,130 @@
           </a:p>
         </p:txBody>
       </p:sp>
+      <p:pic>
+        <p:nvPicPr>
+          <p:cNvPr id="8" name="Picture 7">
+            <a:extLst>
+              <a:ext uri="{FF2B5EF4-FFF2-40B4-BE49-F238E27FC236}">
+                <a16:creationId xmlns:a16="http://schemas.microsoft.com/office/drawing/2014/main" id="{AA6F2317-976C-4AA9-8F3A-E1A1BB8D92F4}"/>
+              </a:ext>
+            </a:extLst>
+          </p:cNvPr>
+          <p:cNvPicPr>
+            <a:picLocks noChangeAspect="1"/>
+          </p:cNvPicPr>
+          <p:nvPr/>
+        </p:nvPicPr>
+        <p:blipFill>
+          <a:blip r:embed="rId3" cstate="print">
+            <a:extLst>
+              <a:ext uri="{28A0092B-C50C-407E-A947-70E740481C1C}">
+                <a14:useLocalDpi xmlns:a14="http://schemas.microsoft.com/office/drawing/2010/main" val="0"/>
+              </a:ext>
+            </a:extLst>
+          </a:blip>
+          <a:stretch>
+            <a:fillRect/>
+          </a:stretch>
+        </p:blipFill>
+        <p:spPr>
+          <a:xfrm>
+            <a:off x="6186142" y="1541038"/>
+            <a:ext cx="2114500" cy="1585875"/>
+          </a:xfrm>
+          <a:prstGeom prst="rect">
+            <a:avLst/>
+          </a:prstGeom>
+        </p:spPr>
+      </p:pic>
+      <p:sp>
+        <p:nvSpPr>
+          <p:cNvPr id="9" name="TextBox 8">
+            <a:extLst>
+              <a:ext uri="{FF2B5EF4-FFF2-40B4-BE49-F238E27FC236}">
+                <a16:creationId xmlns:a16="http://schemas.microsoft.com/office/drawing/2014/main" id="{B8CA411E-9A70-468F-8311-B6B05957C2A3}"/>
+              </a:ext>
+            </a:extLst>
+          </p:cNvPr>
+          <p:cNvSpPr txBox="1"/>
+          <p:nvPr/>
+        </p:nvSpPr>
+        <p:spPr>
+          <a:xfrm>
+            <a:off x="611560" y="1556792"/>
+            <a:ext cx="3168352" cy="4093428"/>
+          </a:xfrm>
+          <a:prstGeom prst="rect">
+            <a:avLst/>
+          </a:prstGeom>
+          <a:noFill/>
+        </p:spPr>
+        <p:txBody>
+          <a:bodyPr wrap="square" rtlCol="0">
+            <a:spAutoFit/>
+          </a:bodyPr>
+          <a:lstStyle/>
+          <a:p>
+            <a:pPr marL="285750" indent="-285750">
+              <a:buFont typeface="Arial" panose="020B0604020202020204" pitchFamily="34" charset="0"/>
+              <a:buChar char="•"/>
+            </a:pPr>
+            <a:r>
+              <a:rPr lang="ro-RO" sz="2600" dirty="0"/>
+              <a:t>Comenzi pentru deplasare</a:t>
+            </a:r>
+          </a:p>
+          <a:p>
+            <a:pPr marL="285750" indent="-285750">
+              <a:buFont typeface="Arial" panose="020B0604020202020204" pitchFamily="34" charset="0"/>
+              <a:buChar char="•"/>
+            </a:pPr>
+            <a:r>
+              <a:rPr lang="ro-RO" sz="2600" dirty="0"/>
+              <a:t>Comenzi pentru șut</a:t>
+            </a:r>
+          </a:p>
+          <a:p>
+            <a:pPr marL="285750" indent="-285750">
+              <a:buFont typeface="Arial" panose="020B0604020202020204" pitchFamily="34" charset="0"/>
+              <a:buChar char="•"/>
+            </a:pPr>
+            <a:r>
+              <a:rPr lang="ro-RO" sz="2600" dirty="0"/>
+              <a:t>Comandă pentru schimbarea modului de control</a:t>
+            </a:r>
+          </a:p>
+          <a:p>
+            <a:pPr marL="285750" indent="-285750">
+              <a:buFont typeface="Arial" panose="020B0604020202020204" pitchFamily="34" charset="0"/>
+              <a:buChar char="•"/>
+            </a:pPr>
+            <a:r>
+              <a:rPr lang="ro-RO" sz="2600" dirty="0"/>
+              <a:t>Vizualizare </a:t>
+            </a:r>
+            <a:r>
+              <a:rPr lang="en-US" sz="2600" noProof="1"/>
+              <a:t>finalizare</a:t>
+            </a:r>
+            <a:r>
+              <a:rPr lang="ro-RO" sz="2600" dirty="0"/>
+              <a:t> comenzi</a:t>
+            </a:r>
+            <a:endParaRPr lang="en-US" sz="2600" dirty="0"/>
+          </a:p>
+        </p:txBody>
+      </p:sp>
     </p:spTree>
     <p:extLst>
       <p:ext uri="{BB962C8B-B14F-4D97-AF65-F5344CB8AC3E}">
-        <p14:creationId xmlns:p14="http://schemas.microsoft.com/office/powerpoint/2010/main" val="972988674"/>
+        <p14:creationId xmlns:p14="http://schemas.microsoft.com/office/powerpoint/2010/main" val="4113320267"/>
       </p:ext>
     </p:extLst>
   </p:cSld>
   <p:clrMapOvr>
     <a:masterClrMapping/>
   </p:clrMapOvr>
-  <p:timing>
-    <p:tnLst>
-      <p:par>
-        <p:cTn id="1" dur="indefinite" restart="never" nodeType="tmRoot"/>
-      </p:par>
-    </p:tnLst>
-  </p:timing>
 </p:sld>
 </file>
 
@@ -5060,50 +5403,47 @@
             <p:ph type="title"/>
           </p:nvPr>
         </p:nvSpPr>
+        <p:spPr>
+          <a:xfrm>
+            <a:off x="457200" y="274638"/>
+            <a:ext cx="8686800" cy="1143000"/>
+          </a:xfrm>
+        </p:spPr>
+        <p:txBody>
+          <a:bodyPr/>
+          <a:lstStyle/>
+          <a:p>
+            <a:pPr algn="ctr"/>
+            <a:r>
+              <a:rPr lang="ro-RO" dirty="0"/>
+              <a:t>Aplicația ESP32</a:t>
+            </a:r>
+            <a:endParaRPr lang="en-US" dirty="0"/>
+          </a:p>
+        </p:txBody>
+      </p:sp>
+      <p:sp>
+        <p:nvSpPr>
+          <p:cNvPr id="3" name="Content Placeholder 2"/>
+          <p:cNvSpPr>
+            <a:spLocks noGrp="1"/>
+          </p:cNvSpPr>
+          <p:nvPr>
+            <p:ph idx="1"/>
+          </p:nvPr>
+        </p:nvSpPr>
         <p:spPr/>
         <p:txBody>
           <a:bodyPr/>
           <a:lstStyle/>
           <a:p>
-            <a:endParaRPr lang="en-US" dirty="0"/>
-          </a:p>
-        </p:txBody>
-      </p:sp>
-      <p:sp>
-        <p:nvSpPr>
-          <p:cNvPr id="3" name="Content Placeholder 2"/>
-          <p:cNvSpPr>
-            <a:spLocks noGrp="1"/>
-          </p:cNvSpPr>
-          <p:nvPr>
-            <p:ph idx="1"/>
-          </p:nvPr>
-        </p:nvSpPr>
-        <p:spPr/>
-        <p:txBody>
-          <a:bodyPr/>
-          <a:lstStyle/>
-          <a:p>
-            <a:pPr algn="ctr"/>
-            <a:endParaRPr lang="ro-RO" dirty="0" smtClean="0"/>
-          </a:p>
-          <a:p>
-            <a:pPr algn="ctr"/>
-            <a:endParaRPr lang="ro-RO" dirty="0"/>
-          </a:p>
-          <a:p>
-            <a:pPr algn="ctr"/>
-            <a:endParaRPr lang="ro-RO" dirty="0" smtClean="0"/>
-          </a:p>
-          <a:p>
-            <a:pPr marL="36576" indent="0" algn="ctr">
-              <a:buNone/>
-            </a:pPr>
-            <a:r>
-              <a:rPr lang="ro-RO" sz="4000" dirty="0" smtClean="0"/>
-              <a:t>      Vă mulțumesc!</a:t>
-            </a:r>
-            <a:endParaRPr lang="en-US" sz="4000" dirty="0"/>
+            <a:r>
+              <a:rPr lang="ro-RO" dirty="0"/>
+              <a:t>Recepționează cererile HTTP</a:t>
+            </a:r>
+          </a:p>
+          <a:p>
+            <a:endParaRPr lang="en-US" dirty="0"/>
           </a:p>
         </p:txBody>
       </p:sp>
@@ -5133,20 +5473,173 @@
     </p:spTree>
     <p:extLst>
       <p:ext uri="{BB962C8B-B14F-4D97-AF65-F5344CB8AC3E}">
-        <p14:creationId xmlns:p14="http://schemas.microsoft.com/office/powerpoint/2010/main" val="3042405997"/>
+        <p14:creationId xmlns:p14="http://schemas.microsoft.com/office/powerpoint/2010/main" val="3872135971"/>
       </p:ext>
     </p:extLst>
   </p:cSld>
   <p:clrMapOvr>
     <a:masterClrMapping/>
   </p:clrMapOvr>
-  <p:timing>
-    <p:tnLst>
-      <p:par>
-        <p:cTn id="1" dur="indefinite" restart="never" nodeType="tmRoot"/>
-      </p:par>
-    </p:tnLst>
-  </p:timing>
+</p:sld>
+</file>
+
+<file path=ppt/slides/slide9.xml><?xml version="1.0" encoding="utf-8"?>
+<p:sld xmlns:a="http://schemas.openxmlformats.org/drawingml/2006/main" xmlns:r="http://schemas.openxmlformats.org/officeDocument/2006/relationships" xmlns:p="http://schemas.openxmlformats.org/presentationml/2006/main">
+  <p:cSld>
+    <p:spTree>
+      <p:nvGrpSpPr>
+        <p:cNvPr id="1" name=""/>
+        <p:cNvGrpSpPr/>
+        <p:nvPr/>
+      </p:nvGrpSpPr>
+      <p:grpSpPr>
+        <a:xfrm>
+          <a:off x="0" y="0"/>
+          <a:ext cx="0" cy="0"/>
+          <a:chOff x="0" y="0"/>
+          <a:chExt cx="0" cy="0"/>
+        </a:xfrm>
+      </p:grpSpPr>
+      <p:sp>
+        <p:nvSpPr>
+          <p:cNvPr id="2" name="Title 1">
+            <a:extLst>
+              <a:ext uri="{FF2B5EF4-FFF2-40B4-BE49-F238E27FC236}">
+                <a16:creationId xmlns:a16="http://schemas.microsoft.com/office/drawing/2014/main" id="{64708F30-220A-49A3-8CDA-ED245F7F9D30}"/>
+              </a:ext>
+            </a:extLst>
+          </p:cNvPr>
+          <p:cNvSpPr>
+            <a:spLocks noGrp="1"/>
+          </p:cNvSpPr>
+          <p:nvPr>
+            <p:ph type="title"/>
+          </p:nvPr>
+        </p:nvSpPr>
+        <p:spPr>
+          <a:xfrm>
+            <a:off x="457200" y="274638"/>
+            <a:ext cx="8686800" cy="1143000"/>
+          </a:xfrm>
+        </p:spPr>
+        <p:txBody>
+          <a:bodyPr/>
+          <a:lstStyle/>
+          <a:p>
+            <a:pPr algn="ctr"/>
+            <a:r>
+              <a:rPr lang="en-US" noProof="1"/>
+              <a:t>Dezvolt</a:t>
+            </a:r>
+            <a:r>
+              <a:rPr lang="ro-RO" dirty="0"/>
+              <a:t>ări viitoare</a:t>
+            </a:r>
+            <a:endParaRPr lang="en-US" dirty="0"/>
+          </a:p>
+        </p:txBody>
+      </p:sp>
+      <p:sp>
+        <p:nvSpPr>
+          <p:cNvPr id="3" name="Content Placeholder 2">
+            <a:extLst>
+              <a:ext uri="{FF2B5EF4-FFF2-40B4-BE49-F238E27FC236}">
+                <a16:creationId xmlns:a16="http://schemas.microsoft.com/office/drawing/2014/main" id="{8AB1C675-D6D6-439B-938D-BD580B9FE9EF}"/>
+              </a:ext>
+            </a:extLst>
+          </p:cNvPr>
+          <p:cNvSpPr>
+            <a:spLocks noGrp="1"/>
+          </p:cNvSpPr>
+          <p:nvPr>
+            <p:ph idx="1"/>
+          </p:nvPr>
+        </p:nvSpPr>
+        <p:spPr/>
+        <p:txBody>
+          <a:bodyPr/>
+          <a:lstStyle/>
+          <a:p>
+            <a:r>
+              <a:rPr lang="ro-RO" dirty="0"/>
+              <a:t>Montarea unei baterii</a:t>
+            </a:r>
+          </a:p>
+          <a:p>
+            <a:endParaRPr lang="ro-RO" dirty="0"/>
+          </a:p>
+          <a:p>
+            <a:r>
+              <a:rPr lang="ro-RO" dirty="0"/>
+              <a:t>Noi funcționalități</a:t>
+            </a:r>
+          </a:p>
+          <a:p>
+            <a:pPr lvl="1"/>
+            <a:r>
+              <a:rPr lang="ro-RO" dirty="0"/>
+              <a:t>Marcarea unui gol într-o poartă</a:t>
+            </a:r>
+          </a:p>
+          <a:p>
+            <a:pPr lvl="1"/>
+            <a:r>
+              <a:rPr lang="ro-RO" dirty="0"/>
+              <a:t>Interacțiunea cu alți roboți</a:t>
+            </a:r>
+          </a:p>
+          <a:p>
+            <a:pPr lvl="1"/>
+            <a:endParaRPr lang="ro-RO" dirty="0"/>
+          </a:p>
+          <a:p>
+            <a:r>
+              <a:rPr lang="ro-RO" dirty="0"/>
+              <a:t>Estetizarea ansamblului</a:t>
+            </a:r>
+            <a:endParaRPr lang="en-US" dirty="0"/>
+          </a:p>
+        </p:txBody>
+      </p:sp>
+      <p:sp>
+        <p:nvSpPr>
+          <p:cNvPr id="4" name="Slide Number Placeholder 3">
+            <a:extLst>
+              <a:ext uri="{FF2B5EF4-FFF2-40B4-BE49-F238E27FC236}">
+                <a16:creationId xmlns:a16="http://schemas.microsoft.com/office/drawing/2014/main" id="{4C6ADBB5-F093-43EC-A59C-732582C300EB}"/>
+              </a:ext>
+            </a:extLst>
+          </p:cNvPr>
+          <p:cNvSpPr>
+            <a:spLocks noGrp="1"/>
+          </p:cNvSpPr>
+          <p:nvPr>
+            <p:ph type="sldNum" sz="quarter" idx="12"/>
+          </p:nvPr>
+        </p:nvSpPr>
+        <p:spPr/>
+        <p:txBody>
+          <a:bodyPr/>
+          <a:lstStyle/>
+          <a:p>
+            <a:fld id="{29574101-FBCA-4CCC-8F71-4FACD19D0373}" type="slidenum">
+              <a:rPr lang="en-US" smtClean="0"/>
+              <a:t>9</a:t>
+            </a:fld>
+            <a:endParaRPr lang="en-US" dirty="0"/>
+          </a:p>
+        </p:txBody>
+      </p:sp>
+    </p:spTree>
+    <p:extLst>
+      <p:ext uri="{BB962C8B-B14F-4D97-AF65-F5344CB8AC3E}">
+        <p14:creationId xmlns:p14="http://schemas.microsoft.com/office/powerpoint/2010/main" val="4134365693"/>
+      </p:ext>
+    </p:extLst>
+  </p:cSld>
+  <p:clrMapOvr>
+    <a:masterClrMapping/>
+  </p:clrMapOvr>
 </p:sld>
 </file>
 

--- a/ROBOTINHO.pptx
+++ b/ROBOTINHO.pptx
@@ -5,7 +5,7 @@
     <p:sldMasterId id="2147483660" r:id="rId1"/>
   </p:sldMasterIdLst>
   <p:notesMasterIdLst>
-    <p:notesMasterId r:id="rId13"/>
+    <p:notesMasterId r:id="rId15"/>
   </p:notesMasterIdLst>
   <p:sldIdLst>
     <p:sldId id="256" r:id="rId2"/>
@@ -13,12 +13,14 @@
     <p:sldId id="258" r:id="rId4"/>
     <p:sldId id="259" r:id="rId5"/>
     <p:sldId id="265" r:id="rId6"/>
-    <p:sldId id="264" r:id="rId7"/>
-    <p:sldId id="261" r:id="rId8"/>
-    <p:sldId id="262" r:id="rId9"/>
-    <p:sldId id="266" r:id="rId10"/>
-    <p:sldId id="260" r:id="rId11"/>
-    <p:sldId id="263" r:id="rId12"/>
+    <p:sldId id="268" r:id="rId7"/>
+    <p:sldId id="267" r:id="rId8"/>
+    <p:sldId id="264" r:id="rId9"/>
+    <p:sldId id="261" r:id="rId10"/>
+    <p:sldId id="262" r:id="rId11"/>
+    <p:sldId id="266" r:id="rId12"/>
+    <p:sldId id="260" r:id="rId13"/>
+    <p:sldId id="263" r:id="rId14"/>
   </p:sldIdLst>
   <p:sldSz cx="9144000" cy="6858000" type="screen4x3"/>
   <p:notesSz cx="6858000" cy="9144000"/>
@@ -218,7 +220,7 @@
           <a:p>
             <a:fld id="{3569113D-2AA0-40B3-B8BF-A69C343657F7}" type="datetimeFigureOut">
               <a:rPr lang="en-US" smtClean="0"/>
-              <a:t>5/20/2019</a:t>
+              <a:t>5/21/2019</a:t>
             </a:fld>
             <a:endParaRPr lang="en-US" dirty="0"/>
           </a:p>
@@ -1035,7 +1037,7 @@
           <a:p>
             <a:fld id="{90B7D2B6-166E-40F8-9D76-749746228F93}" type="datetime1">
               <a:rPr lang="en-US" smtClean="0"/>
-              <a:t>5/20/2019</a:t>
+              <a:t>5/21/2019</a:t>
             </a:fld>
             <a:endParaRPr lang="en-US" dirty="0"/>
           </a:p>
@@ -1199,7 +1201,7 @@
           <a:p>
             <a:fld id="{5E77432B-941A-4FDB-B2E4-6D384526D1B6}" type="datetime1">
               <a:rPr lang="en-US" smtClean="0"/>
-              <a:t>5/20/2019</a:t>
+              <a:t>5/21/2019</a:t>
             </a:fld>
             <a:endParaRPr lang="en-US" dirty="0"/>
           </a:p>
@@ -1373,7 +1375,7 @@
           <a:p>
             <a:fld id="{73E66D89-C1D7-4BAB-8D4A-CFBFE24EB60F}" type="datetime1">
               <a:rPr lang="en-US" smtClean="0"/>
-              <a:t>5/20/2019</a:t>
+              <a:t>5/21/2019</a:t>
             </a:fld>
             <a:endParaRPr lang="en-US" dirty="0"/>
           </a:p>
@@ -1541,7 +1543,7 @@
           <a:p>
             <a:fld id="{C9C79E85-1D2F-477B-BBE8-4A7F97670373}" type="datetime1">
               <a:rPr lang="en-US" smtClean="0"/>
-              <a:t>5/20/2019</a:t>
+              <a:t>5/21/2019</a:t>
             </a:fld>
             <a:endParaRPr lang="en-US" dirty="0"/>
           </a:p>
@@ -1995,7 +1997,7 @@
           <a:p>
             <a:fld id="{A94E0D0E-3436-4F4C-8608-CE77D12FB72B}" type="datetime1">
               <a:rPr lang="en-US" smtClean="0"/>
-              <a:t>5/20/2019</a:t>
+              <a:t>5/21/2019</a:t>
             </a:fld>
             <a:endParaRPr lang="en-US" dirty="0"/>
           </a:p>
@@ -2258,7 +2260,7 @@
           <a:p>
             <a:fld id="{39510CC2-2627-4392-AE48-F60BF60FDE8D}" type="datetime1">
               <a:rPr lang="en-US" smtClean="0"/>
-              <a:t>5/20/2019</a:t>
+              <a:t>5/21/2019</a:t>
             </a:fld>
             <a:endParaRPr lang="en-US" dirty="0"/>
           </a:p>
@@ -2631,7 +2633,7 @@
           <a:p>
             <a:fld id="{DCE04ADE-3BBA-4424-9D2F-1B1F2BA859F2}" type="datetime1">
               <a:rPr lang="en-US" smtClean="0"/>
-              <a:t>5/20/2019</a:t>
+              <a:t>5/21/2019</a:t>
             </a:fld>
             <a:endParaRPr lang="en-US" dirty="0"/>
           </a:p>
@@ -2752,7 +2754,7 @@
           <a:p>
             <a:fld id="{9CA964A8-C6B3-4D50-BBFD-58D43C7F3544}" type="datetime1">
               <a:rPr lang="en-US" smtClean="0"/>
-              <a:t>5/20/2019</a:t>
+              <a:t>5/21/2019</a:t>
             </a:fld>
             <a:endParaRPr lang="en-US" dirty="0"/>
           </a:p>
@@ -2842,7 +2844,7 @@
           <a:p>
             <a:fld id="{DC1C8741-8383-4B49-BB53-43BE1918DA32}" type="datetime1">
               <a:rPr lang="en-US" smtClean="0"/>
-              <a:t>5/20/2019</a:t>
+              <a:t>5/21/2019</a:t>
             </a:fld>
             <a:endParaRPr lang="en-US" dirty="0"/>
           </a:p>
@@ -3090,7 +3092,7 @@
           <a:p>
             <a:fld id="{6C318A7A-4453-4BD5-8AB7-45AA3E9C5FE0}" type="datetime1">
               <a:rPr lang="en-US" smtClean="0"/>
-              <a:t>5/20/2019</a:t>
+              <a:t>5/21/2019</a:t>
             </a:fld>
             <a:endParaRPr lang="en-US" dirty="0"/>
           </a:p>
@@ -3347,7 +3349,7 @@
           <a:p>
             <a:fld id="{DE329CA9-2797-429D-A799-93AB3F83623F}" type="datetime1">
               <a:rPr lang="en-US" smtClean="0"/>
-              <a:t>5/20/2019</a:t>
+              <a:t>5/21/2019</a:t>
             </a:fld>
             <a:endParaRPr lang="en-US" dirty="0"/>
           </a:p>
@@ -3749,7 +3751,7 @@
           <a:p>
             <a:fld id="{56EE5F79-99D7-48D8-9BE2-8F8AFE0E3260}" type="datetime1">
               <a:rPr lang="en-US" smtClean="0"/>
-              <a:t>5/20/2019</a:t>
+              <a:t>5/21/2019</a:t>
             </a:fld>
             <a:endParaRPr lang="en-US" dirty="0"/>
           </a:p>
@@ -4325,14 +4327,10 @@
           <a:p>
             <a:pPr algn="ctr"/>
             <a:r>
-              <a:rPr lang="ro-RO" dirty="0">
-                <a:latin typeface="+mn-lt"/>
-              </a:rPr>
-              <a:t>Concluzii</a:t>
-            </a:r>
-            <a:endParaRPr lang="en-US" dirty="0">
-              <a:latin typeface="+mn-lt"/>
-            </a:endParaRPr>
+              <a:rPr lang="ro-RO" dirty="0"/>
+              <a:t>Aplicația ESP32</a:t>
+            </a:r>
+            <a:endParaRPr lang="en-US" dirty="0"/>
           </a:p>
         </p:txBody>
       </p:sp>
@@ -4350,6 +4348,51 @@
         <p:txBody>
           <a:bodyPr/>
           <a:lstStyle/>
+          <a:p>
+            <a:endParaRPr lang="ro-RO" dirty="0"/>
+          </a:p>
+          <a:p>
+            <a:r>
+              <a:rPr lang="ro-RO" dirty="0"/>
+              <a:t>Folosit ca server web</a:t>
+            </a:r>
+          </a:p>
+          <a:p>
+            <a:pPr lvl="1"/>
+            <a:r>
+              <a:rPr lang="ro-RO" dirty="0"/>
+              <a:t>Recepționează cererile HTTP de la aplicația Android</a:t>
+            </a:r>
+          </a:p>
+          <a:p>
+            <a:pPr lvl="1"/>
+            <a:r>
+              <a:rPr lang="ro-RO" dirty="0"/>
+              <a:t>Le analizează</a:t>
+            </a:r>
+            <a:r>
+              <a:rPr lang="en-US" dirty="0"/>
+              <a:t> parametrii</a:t>
+            </a:r>
+            <a:endParaRPr lang="ro-RO" dirty="0"/>
+          </a:p>
+          <a:p>
+            <a:pPr lvl="1"/>
+            <a:endParaRPr lang="ro-RO" dirty="0"/>
+          </a:p>
+          <a:p>
+            <a:pPr lvl="1"/>
+            <a:endParaRPr lang="ro-RO" dirty="0"/>
+          </a:p>
+          <a:p>
+            <a:r>
+              <a:rPr lang="ro-RO" dirty="0"/>
+              <a:t>Transmite comanda la Arduino</a:t>
+            </a:r>
+          </a:p>
+          <a:p>
+            <a:endParaRPr lang="ro-RO" dirty="0"/>
+          </a:p>
           <a:p>
             <a:endParaRPr lang="en-US" dirty="0"/>
           </a:p>
@@ -4381,7 +4424,7 @@
     </p:spTree>
     <p:extLst>
       <p:ext uri="{BB962C8B-B14F-4D97-AF65-F5344CB8AC3E}">
-        <p14:creationId xmlns:p14="http://schemas.microsoft.com/office/powerpoint/2010/main" val="972988674"/>
+        <p14:creationId xmlns:p14="http://schemas.microsoft.com/office/powerpoint/2010/main" val="3872135971"/>
       </p:ext>
     </p:extLst>
   </p:cSld>
@@ -4410,6 +4453,166 @@
       </p:grpSpPr>
       <p:sp>
         <p:nvSpPr>
+          <p:cNvPr id="2" name="Title 1">
+            <a:extLst>
+              <a:ext uri="{FF2B5EF4-FFF2-40B4-BE49-F238E27FC236}">
+                <a16:creationId xmlns:a16="http://schemas.microsoft.com/office/drawing/2014/main" id="{64708F30-220A-49A3-8CDA-ED245F7F9D30}"/>
+              </a:ext>
+            </a:extLst>
+          </p:cNvPr>
+          <p:cNvSpPr>
+            <a:spLocks noGrp="1"/>
+          </p:cNvSpPr>
+          <p:nvPr>
+            <p:ph type="title"/>
+          </p:nvPr>
+        </p:nvSpPr>
+        <p:spPr>
+          <a:xfrm>
+            <a:off x="457200" y="274638"/>
+            <a:ext cx="8686800" cy="1143000"/>
+          </a:xfrm>
+        </p:spPr>
+        <p:txBody>
+          <a:bodyPr/>
+          <a:lstStyle/>
+          <a:p>
+            <a:pPr algn="ctr"/>
+            <a:r>
+              <a:rPr lang="en-US" noProof="1"/>
+              <a:t>Dezvolt</a:t>
+            </a:r>
+            <a:r>
+              <a:rPr lang="ro-RO" dirty="0"/>
+              <a:t>ări viitoare</a:t>
+            </a:r>
+            <a:endParaRPr lang="en-US" dirty="0"/>
+          </a:p>
+        </p:txBody>
+      </p:sp>
+      <p:sp>
+        <p:nvSpPr>
+          <p:cNvPr id="3" name="Content Placeholder 2">
+            <a:extLst>
+              <a:ext uri="{FF2B5EF4-FFF2-40B4-BE49-F238E27FC236}">
+                <a16:creationId xmlns:a16="http://schemas.microsoft.com/office/drawing/2014/main" id="{8AB1C675-D6D6-439B-938D-BD580B9FE9EF}"/>
+              </a:ext>
+            </a:extLst>
+          </p:cNvPr>
+          <p:cNvSpPr>
+            <a:spLocks noGrp="1"/>
+          </p:cNvSpPr>
+          <p:nvPr>
+            <p:ph idx="1"/>
+          </p:nvPr>
+        </p:nvSpPr>
+        <p:spPr/>
+        <p:txBody>
+          <a:bodyPr/>
+          <a:lstStyle/>
+          <a:p>
+            <a:r>
+              <a:rPr lang="ro-RO" dirty="0"/>
+              <a:t>Montarea unei baterii</a:t>
+            </a:r>
+          </a:p>
+          <a:p>
+            <a:endParaRPr lang="ro-RO" dirty="0"/>
+          </a:p>
+          <a:p>
+            <a:r>
+              <a:rPr lang="ro-RO" dirty="0"/>
+              <a:t>Noi funcționalități</a:t>
+            </a:r>
+          </a:p>
+          <a:p>
+            <a:pPr lvl="1"/>
+            <a:r>
+              <a:rPr lang="ro-RO" dirty="0"/>
+              <a:t>Marcarea unui gol într-o poartă</a:t>
+            </a:r>
+          </a:p>
+          <a:p>
+            <a:pPr lvl="1"/>
+            <a:r>
+              <a:rPr lang="ro-RO" dirty="0"/>
+              <a:t>Interacțiunea cu alți roboți</a:t>
+            </a:r>
+          </a:p>
+          <a:p>
+            <a:pPr lvl="1"/>
+            <a:endParaRPr lang="ro-RO" dirty="0"/>
+          </a:p>
+          <a:p>
+            <a:r>
+              <a:rPr lang="ro-RO" dirty="0"/>
+              <a:t>Estetizarea ansamblului</a:t>
+            </a:r>
+            <a:endParaRPr lang="en-US" dirty="0"/>
+          </a:p>
+        </p:txBody>
+      </p:sp>
+      <p:sp>
+        <p:nvSpPr>
+          <p:cNvPr id="4" name="Slide Number Placeholder 3">
+            <a:extLst>
+              <a:ext uri="{FF2B5EF4-FFF2-40B4-BE49-F238E27FC236}">
+                <a16:creationId xmlns:a16="http://schemas.microsoft.com/office/drawing/2014/main" id="{4C6ADBB5-F093-43EC-A59C-732582C300EB}"/>
+              </a:ext>
+            </a:extLst>
+          </p:cNvPr>
+          <p:cNvSpPr>
+            <a:spLocks noGrp="1"/>
+          </p:cNvSpPr>
+          <p:nvPr>
+            <p:ph type="sldNum" sz="quarter" idx="12"/>
+          </p:nvPr>
+        </p:nvSpPr>
+        <p:spPr/>
+        <p:txBody>
+          <a:bodyPr/>
+          <a:lstStyle/>
+          <a:p>
+            <a:fld id="{29574101-FBCA-4CCC-8F71-4FACD19D0373}" type="slidenum">
+              <a:rPr lang="en-US" smtClean="0"/>
+              <a:t>11</a:t>
+            </a:fld>
+            <a:endParaRPr lang="en-US" dirty="0"/>
+          </a:p>
+        </p:txBody>
+      </p:sp>
+    </p:spTree>
+    <p:extLst>
+      <p:ext uri="{BB962C8B-B14F-4D97-AF65-F5344CB8AC3E}">
+        <p14:creationId xmlns:p14="http://schemas.microsoft.com/office/powerpoint/2010/main" val="4134365693"/>
+      </p:ext>
+    </p:extLst>
+  </p:cSld>
+  <p:clrMapOvr>
+    <a:masterClrMapping/>
+  </p:clrMapOvr>
+</p:sld>
+</file>
+
+<file path=ppt/slides/slide12.xml><?xml version="1.0" encoding="utf-8"?>
+<p:sld xmlns:a="http://schemas.openxmlformats.org/drawingml/2006/main" xmlns:r="http://schemas.openxmlformats.org/officeDocument/2006/relationships" xmlns:p="http://schemas.openxmlformats.org/presentationml/2006/main">
+  <p:cSld>
+    <p:spTree>
+      <p:nvGrpSpPr>
+        <p:cNvPr id="1" name=""/>
+        <p:cNvGrpSpPr/>
+        <p:nvPr/>
+      </p:nvGrpSpPr>
+      <p:grpSpPr>
+        <a:xfrm>
+          <a:off x="0" y="0"/>
+          <a:ext cx="0" cy="0"/>
+          <a:chOff x="0" y="0"/>
+          <a:chExt cx="0" cy="0"/>
+        </a:xfrm>
+      </p:grpSpPr>
+      <p:sp>
+        <p:nvSpPr>
           <p:cNvPr id="2" name="Title 1"/>
           <p:cNvSpPr>
             <a:spLocks noGrp="1"/>
@@ -4418,11 +4621,143 @@
             <p:ph type="title"/>
           </p:nvPr>
         </p:nvSpPr>
+        <p:spPr>
+          <a:xfrm>
+            <a:off x="457200" y="274638"/>
+            <a:ext cx="8686800" cy="1143000"/>
+          </a:xfrm>
+        </p:spPr>
+        <p:txBody>
+          <a:bodyPr/>
+          <a:lstStyle/>
+          <a:p>
+            <a:pPr algn="ctr"/>
+            <a:r>
+              <a:rPr lang="ro-RO" dirty="0">
+                <a:latin typeface="+mn-lt"/>
+              </a:rPr>
+              <a:t>Concluzii</a:t>
+            </a:r>
+            <a:endParaRPr lang="en-US" dirty="0">
+              <a:latin typeface="+mn-lt"/>
+            </a:endParaRPr>
+          </a:p>
+        </p:txBody>
+      </p:sp>
+      <p:sp>
+        <p:nvSpPr>
+          <p:cNvPr id="3" name="Content Placeholder 2"/>
+          <p:cNvSpPr>
+            <a:spLocks noGrp="1"/>
+          </p:cNvSpPr>
+          <p:nvPr>
+            <p:ph idx="1"/>
+          </p:nvPr>
+        </p:nvSpPr>
         <p:spPr/>
         <p:txBody>
           <a:bodyPr/>
           <a:lstStyle/>
           <a:p>
+            <a:r>
+              <a:rPr lang="ro-RO" dirty="0"/>
+              <a:t>Proiect interesant și antrenant </a:t>
+            </a:r>
+          </a:p>
+          <a:p>
+            <a:endParaRPr lang="ro-RO" dirty="0"/>
+          </a:p>
+          <a:p>
+            <a:r>
+              <a:rPr lang="ro-RO" dirty="0"/>
+              <a:t>Dezvoltare profesională</a:t>
+            </a:r>
+          </a:p>
+          <a:p>
+            <a:endParaRPr lang="ro-RO" dirty="0"/>
+          </a:p>
+          <a:p>
+            <a:r>
+              <a:rPr lang="ro-RO" dirty="0"/>
+              <a:t>Aplicarea cunoștințelor dobândite la facultate</a:t>
+            </a:r>
+          </a:p>
+          <a:p>
+            <a:endParaRPr lang="ro-RO" dirty="0"/>
+          </a:p>
+          <a:p>
+            <a:endParaRPr lang="en-US" dirty="0"/>
+          </a:p>
+        </p:txBody>
+      </p:sp>
+      <p:sp>
+        <p:nvSpPr>
+          <p:cNvPr id="4" name="Slide Number Placeholder 3"/>
+          <p:cNvSpPr>
+            <a:spLocks noGrp="1"/>
+          </p:cNvSpPr>
+          <p:nvPr>
+            <p:ph type="sldNum" sz="quarter" idx="12"/>
+          </p:nvPr>
+        </p:nvSpPr>
+        <p:spPr/>
+        <p:txBody>
+          <a:bodyPr/>
+          <a:lstStyle/>
+          <a:p>
+            <a:fld id="{29574101-FBCA-4CCC-8F71-4FACD19D0373}" type="slidenum">
+              <a:rPr lang="en-US" smtClean="0"/>
+              <a:t>12</a:t>
+            </a:fld>
+            <a:endParaRPr lang="en-US" dirty="0"/>
+          </a:p>
+        </p:txBody>
+      </p:sp>
+    </p:spTree>
+    <p:extLst>
+      <p:ext uri="{BB962C8B-B14F-4D97-AF65-F5344CB8AC3E}">
+        <p14:creationId xmlns:p14="http://schemas.microsoft.com/office/powerpoint/2010/main" val="972988674"/>
+      </p:ext>
+    </p:extLst>
+  </p:cSld>
+  <p:clrMapOvr>
+    <a:masterClrMapping/>
+  </p:clrMapOvr>
+</p:sld>
+</file>
+
+<file path=ppt/slides/slide13.xml><?xml version="1.0" encoding="utf-8"?>
+<p:sld xmlns:a="http://schemas.openxmlformats.org/drawingml/2006/main" xmlns:r="http://schemas.openxmlformats.org/officeDocument/2006/relationships" xmlns:p="http://schemas.openxmlformats.org/presentationml/2006/main">
+  <p:cSld>
+    <p:spTree>
+      <p:nvGrpSpPr>
+        <p:cNvPr id="1" name=""/>
+        <p:cNvGrpSpPr/>
+        <p:nvPr/>
+      </p:nvGrpSpPr>
+      <p:grpSpPr>
+        <a:xfrm>
+          <a:off x="0" y="0"/>
+          <a:ext cx="0" cy="0"/>
+          <a:chOff x="0" y="0"/>
+          <a:chExt cx="0" cy="0"/>
+        </a:xfrm>
+      </p:grpSpPr>
+      <p:sp>
+        <p:nvSpPr>
+          <p:cNvPr id="2" name="Title 1"/>
+          <p:cNvSpPr>
+            <a:spLocks noGrp="1"/>
+          </p:cNvSpPr>
+          <p:nvPr>
+            <p:ph type="title"/>
+          </p:nvPr>
+        </p:nvSpPr>
+        <p:spPr/>
+        <p:txBody>
+          <a:bodyPr/>
+          <a:lstStyle/>
+          <a:p>
             <a:endParaRPr lang="en-US" dirty="0"/>
           </a:p>
         </p:txBody>
@@ -4441,14 +4776,6 @@
         <p:txBody>
           <a:bodyPr/>
           <a:lstStyle/>
-          <a:p>
-            <a:pPr algn="ctr"/>
-            <a:endParaRPr lang="ro-RO" dirty="0"/>
-          </a:p>
-          <a:p>
-            <a:pPr algn="ctr"/>
-            <a:endParaRPr lang="ro-RO" dirty="0"/>
-          </a:p>
           <a:p>
             <a:pPr algn="ctr"/>
             <a:endParaRPr lang="ro-RO" dirty="0"/>
@@ -4457,11 +4784,17 @@
             <a:pPr marL="36576" indent="0" algn="ctr">
               <a:buNone/>
             </a:pPr>
-            <a:r>
-              <a:rPr lang="ro-RO" sz="4000" dirty="0"/>
-              <a:t>      Vă mulțumesc!</a:t>
-            </a:r>
-            <a:endParaRPr lang="en-US" sz="4000" dirty="0"/>
+            <a:endParaRPr lang="ro-RO" dirty="0"/>
+          </a:p>
+          <a:p>
+            <a:pPr marL="36576" indent="0" algn="ctr">
+              <a:buNone/>
+            </a:pPr>
+            <a:r>
+              <a:rPr lang="ro-RO" sz="4600" dirty="0"/>
+              <a:t>     Vă mulțumesc pentru atenție!</a:t>
+            </a:r>
+            <a:endParaRPr lang="en-US" sz="4600" dirty="0"/>
           </a:p>
         </p:txBody>
       </p:sp>
@@ -4482,7 +4815,7 @@
           <a:p>
             <a:fld id="{29574101-FBCA-4CCC-8F71-4FACD19D0373}" type="slidenum">
               <a:rPr lang="en-US" smtClean="0"/>
-              <a:t>11</a:t>
+              <a:t>13</a:t>
             </a:fld>
             <a:endParaRPr lang="en-US" dirty="0"/>
           </a:p>
@@ -4572,7 +4905,7 @@
             </a:r>
             <a:r>
               <a:rPr lang="ro-RO" dirty="0"/>
-              <a:t>ăutare a unei mingi și de șutare a acesteia</a:t>
+              <a:t>ăutare a unei mingi și de șutare în aceasta</a:t>
             </a:r>
           </a:p>
           <a:p>
@@ -4941,6 +5274,11 @@
               <a:rPr lang="en-US" dirty="0"/>
               <a:t>Hardware</a:t>
             </a:r>
+            <a:r>
+              <a:rPr lang="ro-RO" dirty="0"/>
+              <a:t> (1)</a:t>
+            </a:r>
+            <a:endParaRPr lang="en-US" dirty="0"/>
           </a:p>
         </p:txBody>
       </p:sp>
@@ -4966,15 +5304,41 @@
           <a:lstStyle/>
           <a:p>
             <a:r>
+              <a:rPr lang="ro-RO" dirty="0"/>
+              <a:t>K</a:t>
+            </a:r>
+            <a:r>
               <a:rPr lang="en-US" dirty="0"/>
-              <a:t>Asamblare kit BRAT biped robot</a:t>
-            </a:r>
-          </a:p>
-          <a:p>
+              <a:t>it BRAT biped robot</a:t>
+            </a:r>
+          </a:p>
+          <a:p>
+            <a:pPr lvl="1"/>
             <a:r>
               <a:rPr lang="en-US" dirty="0"/>
               <a:t>6 grade de libertate</a:t>
             </a:r>
+            <a:endParaRPr lang="ro-RO" dirty="0"/>
+          </a:p>
+          <a:p>
+            <a:pPr lvl="1"/>
+            <a:endParaRPr lang="ro-RO" dirty="0"/>
+          </a:p>
+          <a:p>
+            <a:r>
+              <a:rPr lang="ro-RO" dirty="0"/>
+              <a:t>Placă Arduino Uno</a:t>
+            </a:r>
+          </a:p>
+          <a:p>
+            <a:endParaRPr lang="ro-RO" dirty="0"/>
+          </a:p>
+          <a:p>
+            <a:r>
+              <a:rPr lang="ro-RO" dirty="0"/>
+              <a:t>Placă ESP-32 Thing</a:t>
+            </a:r>
+            <a:endParaRPr lang="en-US" dirty="0"/>
           </a:p>
           <a:p>
             <a:endParaRPr lang="en-US" dirty="0"/>
@@ -5048,7 +5412,7 @@
           <p:cNvPr id="2" name="Title 1">
             <a:extLst>
               <a:ext uri="{FF2B5EF4-FFF2-40B4-BE49-F238E27FC236}">
-                <a16:creationId xmlns:a16="http://schemas.microsoft.com/office/drawing/2014/main" id="{34D6937F-1795-4A26-A086-A7E90E3686E0}"/>
+                <a16:creationId xmlns:a16="http://schemas.microsoft.com/office/drawing/2014/main" id="{4DF4C6AB-EAC5-41E7-A3B5-A1D552590597}"/>
               </a:ext>
             </a:extLst>
           </p:cNvPr>
@@ -5070,6 +5434,10 @@
           <a:lstStyle/>
           <a:p>
             <a:pPr algn="ctr"/>
+            <a:r>
+              <a:rPr lang="ro-RO" dirty="0"/>
+              <a:t>Hardware (2)</a:t>
+            </a:r>
             <a:endParaRPr lang="en-US" dirty="0"/>
           </a:p>
         </p:txBody>
@@ -5079,7 +5447,7 @@
           <p:cNvPr id="3" name="Content Placeholder 2">
             <a:extLst>
               <a:ext uri="{FF2B5EF4-FFF2-40B4-BE49-F238E27FC236}">
-                <a16:creationId xmlns:a16="http://schemas.microsoft.com/office/drawing/2014/main" id="{AA8CBBA4-5D7F-4186-B7A4-C33D866B0169}"/>
+                <a16:creationId xmlns:a16="http://schemas.microsoft.com/office/drawing/2014/main" id="{A1E509D7-FFC7-4AE7-8EF8-BD2B9FA62F20}"/>
               </a:ext>
             </a:extLst>
           </p:cNvPr>
@@ -5095,7 +5463,29 @@
           <a:bodyPr/>
           <a:lstStyle/>
           <a:p>
-            <a:endParaRPr lang="en-US"/>
+            <a:r>
+              <a:rPr lang="ro-RO" dirty="0"/>
+              <a:t>Sursă tensiune electrică</a:t>
+            </a:r>
+          </a:p>
+          <a:p>
+            <a:endParaRPr lang="ro-RO" dirty="0"/>
+          </a:p>
+          <a:p>
+            <a:r>
+              <a:rPr lang="ro-RO" dirty="0"/>
+              <a:t>Cameră Pixy CMUcam5</a:t>
+            </a:r>
+          </a:p>
+          <a:p>
+            <a:endParaRPr lang="ro-RO" dirty="0"/>
+          </a:p>
+          <a:p>
+            <a:r>
+              <a:rPr lang="ro-RO" dirty="0"/>
+              <a:t>PC</a:t>
+            </a:r>
+            <a:endParaRPr lang="en-US" dirty="0"/>
           </a:p>
         </p:txBody>
       </p:sp>
@@ -5104,7 +5494,7 @@
           <p:cNvPr id="4" name="Slide Number Placeholder 3">
             <a:extLst>
               <a:ext uri="{FF2B5EF4-FFF2-40B4-BE49-F238E27FC236}">
-                <a16:creationId xmlns:a16="http://schemas.microsoft.com/office/drawing/2014/main" id="{1DB4C6C8-2288-40CD-A066-D74671E2E586}"/>
+                <a16:creationId xmlns:a16="http://schemas.microsoft.com/office/drawing/2014/main" id="{72C1E673-FCA4-48C9-8D56-03068F07EB13}"/>
               </a:ext>
             </a:extLst>
           </p:cNvPr>
@@ -5131,7 +5521,7 @@
     </p:spTree>
     <p:extLst>
       <p:ext uri="{BB962C8B-B14F-4D97-AF65-F5344CB8AC3E}">
-        <p14:creationId xmlns:p14="http://schemas.microsoft.com/office/powerpoint/2010/main" val="1349906419"/>
+        <p14:creationId xmlns:p14="http://schemas.microsoft.com/office/powerpoint/2010/main" val="4061798146"/>
       </p:ext>
     </p:extLst>
   </p:cSld>
@@ -5160,6 +5550,342 @@
       </p:grpSpPr>
       <p:sp>
         <p:nvSpPr>
+          <p:cNvPr id="2" name="Title 1">
+            <a:extLst>
+              <a:ext uri="{FF2B5EF4-FFF2-40B4-BE49-F238E27FC236}">
+                <a16:creationId xmlns:a16="http://schemas.microsoft.com/office/drawing/2014/main" id="{3CFBC153-C83D-4D33-B185-F54768A9773C}"/>
+              </a:ext>
+            </a:extLst>
+          </p:cNvPr>
+          <p:cNvSpPr>
+            <a:spLocks noGrp="1"/>
+          </p:cNvSpPr>
+          <p:nvPr>
+            <p:ph type="title"/>
+          </p:nvPr>
+        </p:nvSpPr>
+        <p:spPr>
+          <a:xfrm>
+            <a:off x="457200" y="274638"/>
+            <a:ext cx="8686800" cy="1143000"/>
+          </a:xfrm>
+        </p:spPr>
+        <p:txBody>
+          <a:bodyPr/>
+          <a:lstStyle/>
+          <a:p>
+            <a:pPr algn="ctr"/>
+            <a:r>
+              <a:rPr lang="ro-RO" dirty="0"/>
+              <a:t>Tehnologii utilizate</a:t>
+            </a:r>
+            <a:endParaRPr lang="en-US" dirty="0"/>
+          </a:p>
+        </p:txBody>
+      </p:sp>
+      <p:sp>
+        <p:nvSpPr>
+          <p:cNvPr id="3" name="Content Placeholder 2">
+            <a:extLst>
+              <a:ext uri="{FF2B5EF4-FFF2-40B4-BE49-F238E27FC236}">
+                <a16:creationId xmlns:a16="http://schemas.microsoft.com/office/drawing/2014/main" id="{04EEBC6A-EB4F-41F0-9A3F-3CECACEB077D}"/>
+              </a:ext>
+            </a:extLst>
+          </p:cNvPr>
+          <p:cNvSpPr>
+            <a:spLocks noGrp="1"/>
+          </p:cNvSpPr>
+          <p:nvPr>
+            <p:ph idx="1"/>
+          </p:nvPr>
+        </p:nvSpPr>
+        <p:spPr/>
+        <p:txBody>
+          <a:bodyPr/>
+          <a:lstStyle/>
+          <a:p>
+            <a:r>
+              <a:rPr lang="ro-RO" dirty="0"/>
+              <a:t>Arduino IDE – C++</a:t>
+            </a:r>
+          </a:p>
+          <a:p>
+            <a:endParaRPr lang="ro-RO" dirty="0"/>
+          </a:p>
+          <a:p>
+            <a:r>
+              <a:rPr lang="ro-RO" dirty="0"/>
+              <a:t>Android Studio – Java</a:t>
+            </a:r>
+          </a:p>
+          <a:p>
+            <a:endParaRPr lang="ro-RO" dirty="0"/>
+          </a:p>
+          <a:p>
+            <a:r>
+              <a:rPr lang="ro-RO" dirty="0"/>
+              <a:t>GitHub</a:t>
+            </a:r>
+          </a:p>
+          <a:p>
+            <a:endParaRPr lang="ro-RO" dirty="0"/>
+          </a:p>
+          <a:p>
+            <a:r>
+              <a:rPr lang="ro-RO" dirty="0"/>
+              <a:t>LynxTerm</a:t>
+            </a:r>
+            <a:endParaRPr lang="en-US" dirty="0"/>
+          </a:p>
+        </p:txBody>
+      </p:sp>
+      <p:sp>
+        <p:nvSpPr>
+          <p:cNvPr id="4" name="Slide Number Placeholder 3">
+            <a:extLst>
+              <a:ext uri="{FF2B5EF4-FFF2-40B4-BE49-F238E27FC236}">
+                <a16:creationId xmlns:a16="http://schemas.microsoft.com/office/drawing/2014/main" id="{8708F1DC-B020-4A80-95EC-488AA0E7D9A8}"/>
+              </a:ext>
+            </a:extLst>
+          </p:cNvPr>
+          <p:cNvSpPr>
+            <a:spLocks noGrp="1"/>
+          </p:cNvSpPr>
+          <p:nvPr>
+            <p:ph type="sldNum" sz="quarter" idx="12"/>
+          </p:nvPr>
+        </p:nvSpPr>
+        <p:spPr/>
+        <p:txBody>
+          <a:bodyPr/>
+          <a:lstStyle/>
+          <a:p>
+            <a:fld id="{29574101-FBCA-4CCC-8F71-4FACD19D0373}" type="slidenum">
+              <a:rPr lang="en-US" smtClean="0"/>
+              <a:t>7</a:t>
+            </a:fld>
+            <a:endParaRPr lang="en-US" dirty="0"/>
+          </a:p>
+        </p:txBody>
+      </p:sp>
+    </p:spTree>
+    <p:extLst>
+      <p:ext uri="{BB962C8B-B14F-4D97-AF65-F5344CB8AC3E}">
+        <p14:creationId xmlns:p14="http://schemas.microsoft.com/office/powerpoint/2010/main" val="475724686"/>
+      </p:ext>
+    </p:extLst>
+  </p:cSld>
+  <p:clrMapOvr>
+    <a:masterClrMapping/>
+  </p:clrMapOvr>
+</p:sld>
+</file>
+
+<file path=ppt/slides/slide8.xml><?xml version="1.0" encoding="utf-8"?>
+<p:sld xmlns:a="http://schemas.openxmlformats.org/drawingml/2006/main" xmlns:r="http://schemas.openxmlformats.org/officeDocument/2006/relationships" xmlns:p="http://schemas.openxmlformats.org/presentationml/2006/main">
+  <p:cSld>
+    <p:spTree>
+      <p:nvGrpSpPr>
+        <p:cNvPr id="1" name=""/>
+        <p:cNvGrpSpPr/>
+        <p:nvPr/>
+      </p:nvGrpSpPr>
+      <p:grpSpPr>
+        <a:xfrm>
+          <a:off x="0" y="0"/>
+          <a:ext cx="0" cy="0"/>
+          <a:chOff x="0" y="0"/>
+          <a:chExt cx="0" cy="0"/>
+        </a:xfrm>
+      </p:grpSpPr>
+      <p:sp>
+        <p:nvSpPr>
+          <p:cNvPr id="2" name="Title 1">
+            <a:extLst>
+              <a:ext uri="{FF2B5EF4-FFF2-40B4-BE49-F238E27FC236}">
+                <a16:creationId xmlns:a16="http://schemas.microsoft.com/office/drawing/2014/main" id="{34D6937F-1795-4A26-A086-A7E90E3686E0}"/>
+              </a:ext>
+            </a:extLst>
+          </p:cNvPr>
+          <p:cNvSpPr>
+            <a:spLocks noGrp="1"/>
+          </p:cNvSpPr>
+          <p:nvPr>
+            <p:ph type="title"/>
+          </p:nvPr>
+        </p:nvSpPr>
+        <p:spPr>
+          <a:xfrm>
+            <a:off x="457200" y="274638"/>
+            <a:ext cx="8686800" cy="1143000"/>
+          </a:xfrm>
+        </p:spPr>
+        <p:txBody>
+          <a:bodyPr/>
+          <a:lstStyle/>
+          <a:p>
+            <a:pPr algn="ctr"/>
+            <a:r>
+              <a:rPr lang="ro-RO" dirty="0"/>
+              <a:t>Aplicația Arduino</a:t>
+            </a:r>
+            <a:endParaRPr lang="en-US" dirty="0"/>
+          </a:p>
+        </p:txBody>
+      </p:sp>
+      <p:pic>
+        <p:nvPicPr>
+          <p:cNvPr id="6" name="Content Placeholder 5">
+            <a:extLst>
+              <a:ext uri="{FF2B5EF4-FFF2-40B4-BE49-F238E27FC236}">
+                <a16:creationId xmlns:a16="http://schemas.microsoft.com/office/drawing/2014/main" id="{17486647-9B91-42BC-8343-094BE0C96172}"/>
+              </a:ext>
+            </a:extLst>
+          </p:cNvPr>
+          <p:cNvPicPr>
+            <a:picLocks noGrp="1" noChangeAspect="1"/>
+          </p:cNvPicPr>
+          <p:nvPr>
+            <p:ph idx="1"/>
+          </p:nvPr>
+        </p:nvPicPr>
+        <p:blipFill>
+          <a:blip r:embed="rId2">
+            <a:extLst>
+              <a:ext uri="{28A0092B-C50C-407E-A947-70E740481C1C}">
+                <a14:useLocalDpi xmlns:a14="http://schemas.microsoft.com/office/drawing/2010/main" val="0"/>
+              </a:ext>
+            </a:extLst>
+          </a:blip>
+          <a:stretch>
+            <a:fillRect/>
+          </a:stretch>
+        </p:blipFill>
+        <p:spPr>
+          <a:xfrm>
+            <a:off x="6614740" y="1340768"/>
+            <a:ext cx="2072060" cy="3689970"/>
+          </a:xfrm>
+        </p:spPr>
+      </p:pic>
+      <p:sp>
+        <p:nvSpPr>
+          <p:cNvPr id="4" name="Slide Number Placeholder 3">
+            <a:extLst>
+              <a:ext uri="{FF2B5EF4-FFF2-40B4-BE49-F238E27FC236}">
+                <a16:creationId xmlns:a16="http://schemas.microsoft.com/office/drawing/2014/main" id="{1DB4C6C8-2288-40CD-A066-D74671E2E586}"/>
+              </a:ext>
+            </a:extLst>
+          </p:cNvPr>
+          <p:cNvSpPr>
+            <a:spLocks noGrp="1"/>
+          </p:cNvSpPr>
+          <p:nvPr>
+            <p:ph type="sldNum" sz="quarter" idx="12"/>
+          </p:nvPr>
+        </p:nvSpPr>
+        <p:spPr/>
+        <p:txBody>
+          <a:bodyPr/>
+          <a:lstStyle/>
+          <a:p>
+            <a:fld id="{29574101-FBCA-4CCC-8F71-4FACD19D0373}" type="slidenum">
+              <a:rPr lang="en-US" smtClean="0"/>
+              <a:t>8</a:t>
+            </a:fld>
+            <a:endParaRPr lang="en-US" dirty="0"/>
+          </a:p>
+        </p:txBody>
+      </p:sp>
+      <p:sp>
+        <p:nvSpPr>
+          <p:cNvPr id="7" name="TextBox 6">
+            <a:extLst>
+              <a:ext uri="{FF2B5EF4-FFF2-40B4-BE49-F238E27FC236}">
+                <a16:creationId xmlns:a16="http://schemas.microsoft.com/office/drawing/2014/main" id="{3CE34ECB-BBCC-4298-ADD7-E9AA474BCF5D}"/>
+              </a:ext>
+            </a:extLst>
+          </p:cNvPr>
+          <p:cNvSpPr txBox="1"/>
+          <p:nvPr/>
+        </p:nvSpPr>
+        <p:spPr>
+          <a:xfrm>
+            <a:off x="827584" y="1417638"/>
+            <a:ext cx="5472608" cy="1292662"/>
+          </a:xfrm>
+          <a:prstGeom prst="rect">
+            <a:avLst/>
+          </a:prstGeom>
+          <a:noFill/>
+        </p:spPr>
+        <p:txBody>
+          <a:bodyPr wrap="square" rtlCol="0">
+            <a:spAutoFit/>
+          </a:bodyPr>
+          <a:lstStyle/>
+          <a:p>
+            <a:pPr marL="285750" indent="-285750">
+              <a:buFont typeface="Arial" panose="020B0604020202020204" pitchFamily="34" charset="0"/>
+              <a:buChar char="•"/>
+            </a:pPr>
+            <a:r>
+              <a:rPr lang="ro-RO" sz="2600" dirty="0"/>
+              <a:t>Mișcare în lateral</a:t>
+            </a:r>
+          </a:p>
+          <a:p>
+            <a:pPr marL="285750" indent="-285750">
+              <a:buFont typeface="Arial" panose="020B0604020202020204" pitchFamily="34" charset="0"/>
+              <a:buChar char="•"/>
+            </a:pPr>
+            <a:endParaRPr lang="ro-RO" sz="2600" dirty="0"/>
+          </a:p>
+          <a:p>
+            <a:pPr marL="285750" indent="-285750">
+              <a:buFont typeface="Arial" panose="020B0604020202020204" pitchFamily="34" charset="0"/>
+              <a:buChar char="•"/>
+            </a:pPr>
+            <a:r>
+              <a:rPr lang="ro-RO" sz="2600" dirty="0"/>
+              <a:t>Întoarcere 90° stânga</a:t>
+            </a:r>
+            <a:endParaRPr lang="en-US" sz="2600" dirty="0"/>
+          </a:p>
+        </p:txBody>
+      </p:sp>
+    </p:spTree>
+    <p:extLst>
+      <p:ext uri="{BB962C8B-B14F-4D97-AF65-F5344CB8AC3E}">
+        <p14:creationId xmlns:p14="http://schemas.microsoft.com/office/powerpoint/2010/main" val="1349906419"/>
+      </p:ext>
+    </p:extLst>
+  </p:cSld>
+  <p:clrMapOvr>
+    <a:masterClrMapping/>
+  </p:clrMapOvr>
+</p:sld>
+</file>
+
+<file path=ppt/slides/slide9.xml><?xml version="1.0" encoding="utf-8"?>
+<p:sld xmlns:a="http://schemas.openxmlformats.org/drawingml/2006/main" xmlns:r="http://schemas.openxmlformats.org/officeDocument/2006/relationships" xmlns:p="http://schemas.openxmlformats.org/presentationml/2006/main">
+  <p:cSld>
+    <p:spTree>
+      <p:nvGrpSpPr>
+        <p:cNvPr id="1" name=""/>
+        <p:cNvGrpSpPr/>
+        <p:nvPr/>
+      </p:nvGrpSpPr>
+      <p:grpSpPr>
+        <a:xfrm>
+          <a:off x="0" y="0"/>
+          <a:ext cx="0" cy="0"/>
+          <a:chOff x="0" y="0"/>
+          <a:chExt cx="0" cy="0"/>
+        </a:xfrm>
+      </p:grpSpPr>
+      <p:sp>
+        <p:nvSpPr>
           <p:cNvPr id="2" name="Title 1"/>
           <p:cNvSpPr>
             <a:spLocks noGrp="1"/>
@@ -5243,7 +5969,7 @@
           <a:p>
             <a:fld id="{29574101-FBCA-4CCC-8F71-4FACD19D0373}" type="slidenum">
               <a:rPr lang="en-US" smtClean="0"/>
-              <a:t>7</a:t>
+              <a:t>9</a:t>
             </a:fld>
             <a:endParaRPr lang="en-US" dirty="0"/>
           </a:p>
@@ -5367,273 +6093,6 @@
     <p:extLst>
       <p:ext uri="{BB962C8B-B14F-4D97-AF65-F5344CB8AC3E}">
         <p14:creationId xmlns:p14="http://schemas.microsoft.com/office/powerpoint/2010/main" val="4113320267"/>
-      </p:ext>
-    </p:extLst>
-  </p:cSld>
-  <p:clrMapOvr>
-    <a:masterClrMapping/>
-  </p:clrMapOvr>
-</p:sld>
-</file>
-
-<file path=ppt/slides/slide8.xml><?xml version="1.0" encoding="utf-8"?>
-<p:sld xmlns:a="http://schemas.openxmlformats.org/drawingml/2006/main" xmlns:r="http://schemas.openxmlformats.org/officeDocument/2006/relationships" xmlns:p="http://schemas.openxmlformats.org/presentationml/2006/main">
-  <p:cSld>
-    <p:spTree>
-      <p:nvGrpSpPr>
-        <p:cNvPr id="1" name=""/>
-        <p:cNvGrpSpPr/>
-        <p:nvPr/>
-      </p:nvGrpSpPr>
-      <p:grpSpPr>
-        <a:xfrm>
-          <a:off x="0" y="0"/>
-          <a:ext cx="0" cy="0"/>
-          <a:chOff x="0" y="0"/>
-          <a:chExt cx="0" cy="0"/>
-        </a:xfrm>
-      </p:grpSpPr>
-      <p:sp>
-        <p:nvSpPr>
-          <p:cNvPr id="2" name="Title 1"/>
-          <p:cNvSpPr>
-            <a:spLocks noGrp="1"/>
-          </p:cNvSpPr>
-          <p:nvPr>
-            <p:ph type="title"/>
-          </p:nvPr>
-        </p:nvSpPr>
-        <p:spPr>
-          <a:xfrm>
-            <a:off x="457200" y="274638"/>
-            <a:ext cx="8686800" cy="1143000"/>
-          </a:xfrm>
-        </p:spPr>
-        <p:txBody>
-          <a:bodyPr/>
-          <a:lstStyle/>
-          <a:p>
-            <a:pPr algn="ctr"/>
-            <a:r>
-              <a:rPr lang="ro-RO" dirty="0"/>
-              <a:t>Aplicația ESP32</a:t>
-            </a:r>
-            <a:endParaRPr lang="en-US" dirty="0"/>
-          </a:p>
-        </p:txBody>
-      </p:sp>
-      <p:sp>
-        <p:nvSpPr>
-          <p:cNvPr id="3" name="Content Placeholder 2"/>
-          <p:cNvSpPr>
-            <a:spLocks noGrp="1"/>
-          </p:cNvSpPr>
-          <p:nvPr>
-            <p:ph idx="1"/>
-          </p:nvPr>
-        </p:nvSpPr>
-        <p:spPr/>
-        <p:txBody>
-          <a:bodyPr/>
-          <a:lstStyle/>
-          <a:p>
-            <a:r>
-              <a:rPr lang="ro-RO" dirty="0"/>
-              <a:t>Recepționează cererile HTTP</a:t>
-            </a:r>
-          </a:p>
-          <a:p>
-            <a:endParaRPr lang="en-US" dirty="0"/>
-          </a:p>
-        </p:txBody>
-      </p:sp>
-      <p:sp>
-        <p:nvSpPr>
-          <p:cNvPr id="4" name="Slide Number Placeholder 3"/>
-          <p:cNvSpPr>
-            <a:spLocks noGrp="1"/>
-          </p:cNvSpPr>
-          <p:nvPr>
-            <p:ph type="sldNum" sz="quarter" idx="12"/>
-          </p:nvPr>
-        </p:nvSpPr>
-        <p:spPr/>
-        <p:txBody>
-          <a:bodyPr/>
-          <a:lstStyle/>
-          <a:p>
-            <a:fld id="{29574101-FBCA-4CCC-8F71-4FACD19D0373}" type="slidenum">
-              <a:rPr lang="en-US" smtClean="0"/>
-              <a:t>8</a:t>
-            </a:fld>
-            <a:endParaRPr lang="en-US" dirty="0"/>
-          </a:p>
-        </p:txBody>
-      </p:sp>
-    </p:spTree>
-    <p:extLst>
-      <p:ext uri="{BB962C8B-B14F-4D97-AF65-F5344CB8AC3E}">
-        <p14:creationId xmlns:p14="http://schemas.microsoft.com/office/powerpoint/2010/main" val="3872135971"/>
-      </p:ext>
-    </p:extLst>
-  </p:cSld>
-  <p:clrMapOvr>
-    <a:masterClrMapping/>
-  </p:clrMapOvr>
-</p:sld>
-</file>
-
-<file path=ppt/slides/slide9.xml><?xml version="1.0" encoding="utf-8"?>
-<p:sld xmlns:a="http://schemas.openxmlformats.org/drawingml/2006/main" xmlns:r="http://schemas.openxmlformats.org/officeDocument/2006/relationships" xmlns:p="http://schemas.openxmlformats.org/presentationml/2006/main">
-  <p:cSld>
-    <p:spTree>
-      <p:nvGrpSpPr>
-        <p:cNvPr id="1" name=""/>
-        <p:cNvGrpSpPr/>
-        <p:nvPr/>
-      </p:nvGrpSpPr>
-      <p:grpSpPr>
-        <a:xfrm>
-          <a:off x="0" y="0"/>
-          <a:ext cx="0" cy="0"/>
-          <a:chOff x="0" y="0"/>
-          <a:chExt cx="0" cy="0"/>
-        </a:xfrm>
-      </p:grpSpPr>
-      <p:sp>
-        <p:nvSpPr>
-          <p:cNvPr id="2" name="Title 1">
-            <a:extLst>
-              <a:ext uri="{FF2B5EF4-FFF2-40B4-BE49-F238E27FC236}">
-                <a16:creationId xmlns:a16="http://schemas.microsoft.com/office/drawing/2014/main" id="{64708F30-220A-49A3-8CDA-ED245F7F9D30}"/>
-              </a:ext>
-            </a:extLst>
-          </p:cNvPr>
-          <p:cNvSpPr>
-            <a:spLocks noGrp="1"/>
-          </p:cNvSpPr>
-          <p:nvPr>
-            <p:ph type="title"/>
-          </p:nvPr>
-        </p:nvSpPr>
-        <p:spPr>
-          <a:xfrm>
-            <a:off x="457200" y="274638"/>
-            <a:ext cx="8686800" cy="1143000"/>
-          </a:xfrm>
-        </p:spPr>
-        <p:txBody>
-          <a:bodyPr/>
-          <a:lstStyle/>
-          <a:p>
-            <a:pPr algn="ctr"/>
-            <a:r>
-              <a:rPr lang="en-US" noProof="1"/>
-              <a:t>Dezvolt</a:t>
-            </a:r>
-            <a:r>
-              <a:rPr lang="ro-RO" dirty="0"/>
-              <a:t>ări viitoare</a:t>
-            </a:r>
-            <a:endParaRPr lang="en-US" dirty="0"/>
-          </a:p>
-        </p:txBody>
-      </p:sp>
-      <p:sp>
-        <p:nvSpPr>
-          <p:cNvPr id="3" name="Content Placeholder 2">
-            <a:extLst>
-              <a:ext uri="{FF2B5EF4-FFF2-40B4-BE49-F238E27FC236}">
-                <a16:creationId xmlns:a16="http://schemas.microsoft.com/office/drawing/2014/main" id="{8AB1C675-D6D6-439B-938D-BD580B9FE9EF}"/>
-              </a:ext>
-            </a:extLst>
-          </p:cNvPr>
-          <p:cNvSpPr>
-            <a:spLocks noGrp="1"/>
-          </p:cNvSpPr>
-          <p:nvPr>
-            <p:ph idx="1"/>
-          </p:nvPr>
-        </p:nvSpPr>
-        <p:spPr/>
-        <p:txBody>
-          <a:bodyPr/>
-          <a:lstStyle/>
-          <a:p>
-            <a:r>
-              <a:rPr lang="ro-RO" dirty="0"/>
-              <a:t>Montarea unei baterii</a:t>
-            </a:r>
-          </a:p>
-          <a:p>
-            <a:endParaRPr lang="ro-RO" dirty="0"/>
-          </a:p>
-          <a:p>
-            <a:r>
-              <a:rPr lang="ro-RO" dirty="0"/>
-              <a:t>Noi funcționalități</a:t>
-            </a:r>
-          </a:p>
-          <a:p>
-            <a:pPr lvl="1"/>
-            <a:r>
-              <a:rPr lang="ro-RO" dirty="0"/>
-              <a:t>Marcarea unui gol într-o poartă</a:t>
-            </a:r>
-          </a:p>
-          <a:p>
-            <a:pPr lvl="1"/>
-            <a:r>
-              <a:rPr lang="ro-RO" dirty="0"/>
-              <a:t>Interacțiunea cu alți roboți</a:t>
-            </a:r>
-          </a:p>
-          <a:p>
-            <a:pPr lvl="1"/>
-            <a:endParaRPr lang="ro-RO" dirty="0"/>
-          </a:p>
-          <a:p>
-            <a:r>
-              <a:rPr lang="ro-RO" dirty="0"/>
-              <a:t>Estetizarea ansamblului</a:t>
-            </a:r>
-            <a:endParaRPr lang="en-US" dirty="0"/>
-          </a:p>
-        </p:txBody>
-      </p:sp>
-      <p:sp>
-        <p:nvSpPr>
-          <p:cNvPr id="4" name="Slide Number Placeholder 3">
-            <a:extLst>
-              <a:ext uri="{FF2B5EF4-FFF2-40B4-BE49-F238E27FC236}">
-                <a16:creationId xmlns:a16="http://schemas.microsoft.com/office/drawing/2014/main" id="{4C6ADBB5-F093-43EC-A59C-732582C300EB}"/>
-              </a:ext>
-            </a:extLst>
-          </p:cNvPr>
-          <p:cNvSpPr>
-            <a:spLocks noGrp="1"/>
-          </p:cNvSpPr>
-          <p:nvPr>
-            <p:ph type="sldNum" sz="quarter" idx="12"/>
-          </p:nvPr>
-        </p:nvSpPr>
-        <p:spPr/>
-        <p:txBody>
-          <a:bodyPr/>
-          <a:lstStyle/>
-          <a:p>
-            <a:fld id="{29574101-FBCA-4CCC-8F71-4FACD19D0373}" type="slidenum">
-              <a:rPr lang="en-US" smtClean="0"/>
-              <a:t>9</a:t>
-            </a:fld>
-            <a:endParaRPr lang="en-US" dirty="0"/>
-          </a:p>
-        </p:txBody>
-      </p:sp>
-    </p:spTree>
-    <p:extLst>
-      <p:ext uri="{BB962C8B-B14F-4D97-AF65-F5344CB8AC3E}">
-        <p14:creationId xmlns:p14="http://schemas.microsoft.com/office/powerpoint/2010/main" val="4134365693"/>
       </p:ext>
     </p:extLst>
   </p:cSld>
